--- a/django oracle 연동.pptx
+++ b/django oracle 연동.pptx
@@ -7,6 +7,7 @@
   <p:sldIdLst>
     <p:sldId id="256" r:id="rId2"/>
     <p:sldId id="257" r:id="rId3"/>
+    <p:sldId id="258" r:id="rId4"/>
   </p:sldIdLst>
   <p:sldSz cx="12192000" cy="6858000"/>
   <p:notesSz cx="6858000" cy="9144000"/>
@@ -3610,7 +3611,7 @@
         </p:blipFill>
         <p:spPr bwMode="auto">
           <a:xfrm>
-            <a:off x="5663842" y="3300499"/>
+            <a:off x="5675417" y="3300499"/>
             <a:ext cx="6274722" cy="2792076"/>
           </a:xfrm>
           <a:prstGeom prst="rect">
@@ -3724,6 +3725,449 @@
     <p:extLst>
       <p:ext uri="{BB962C8B-B14F-4D97-AF65-F5344CB8AC3E}">
         <p14:creationId xmlns:p14="http://schemas.microsoft.com/office/powerpoint/2010/main" val="2445821735"/>
+      </p:ext>
+    </p:extLst>
+  </p:cSld>
+  <p:clrMapOvr>
+    <a:masterClrMapping/>
+  </p:clrMapOvr>
+</p:sld>
+</file>
+
+<file path=ppt/slides/slide3.xml><?xml version="1.0" encoding="utf-8"?>
+<p:sld xmlns:a="http://schemas.openxmlformats.org/drawingml/2006/main" xmlns:r="http://schemas.openxmlformats.org/officeDocument/2006/relationships" xmlns:p="http://schemas.openxmlformats.org/presentationml/2006/main">
+  <p:cSld>
+    <p:spTree>
+      <p:nvGrpSpPr>
+        <p:cNvPr id="1" name=""/>
+        <p:cNvGrpSpPr/>
+        <p:nvPr/>
+      </p:nvGrpSpPr>
+      <p:grpSpPr>
+        <a:xfrm>
+          <a:off x="0" y="0"/>
+          <a:ext cx="0" cy="0"/>
+          <a:chOff x="0" y="0"/>
+          <a:chExt cx="0" cy="0"/>
+        </a:xfrm>
+      </p:grpSpPr>
+      <p:sp>
+        <p:nvSpPr>
+          <p:cNvPr id="4" name="직사각형 3">
+            <a:extLst>
+              <a:ext uri="{FF2B5EF4-FFF2-40B4-BE49-F238E27FC236}">
+                <a16:creationId xmlns:a16="http://schemas.microsoft.com/office/drawing/2014/main" id="{E76F688A-E72F-CB4B-9AD1-A0B226AAC941}"/>
+              </a:ext>
+            </a:extLst>
+          </p:cNvPr>
+          <p:cNvSpPr/>
+          <p:nvPr/>
+        </p:nvSpPr>
+        <p:spPr>
+          <a:xfrm>
+            <a:off x="1765005" y="2195623"/>
+            <a:ext cx="2094613" cy="1233377"/>
+          </a:xfrm>
+          <a:prstGeom prst="rect">
+            <a:avLst/>
+          </a:prstGeom>
+        </p:spPr>
+        <p:style>
+          <a:lnRef idx="2">
+            <a:schemeClr val="accent1">
+              <a:shade val="50000"/>
+            </a:schemeClr>
+          </a:lnRef>
+          <a:fillRef idx="1">
+            <a:schemeClr val="accent1"/>
+          </a:fillRef>
+          <a:effectRef idx="0">
+            <a:schemeClr val="accent1"/>
+          </a:effectRef>
+          <a:fontRef idx="minor">
+            <a:schemeClr val="lt1"/>
+          </a:fontRef>
+        </p:style>
+        <p:txBody>
+          <a:bodyPr rtlCol="0" anchor="ctr"/>
+          <a:lstStyle/>
+          <a:p>
+            <a:pPr algn="ctr"/>
+            <a:r>
+              <a:rPr kumimoji="1" lang="ko-Kore-KR" altLang="en-US" dirty="0"/>
+              <a:t>공개시장조작</a:t>
+            </a:r>
+            <a:endParaRPr kumimoji="1" lang="en-US" altLang="ko-Kore-KR" dirty="0"/>
+          </a:p>
+          <a:p>
+            <a:pPr algn="ctr"/>
+            <a:r>
+              <a:rPr kumimoji="1" lang="en-US" altLang="ko-Kore-KR" dirty="0"/>
+              <a:t>(open </a:t>
+            </a:r>
+            <a:r>
+              <a:rPr kumimoji="1" lang="en-US" altLang="ko-Kore-KR" dirty="0" err="1"/>
+              <a:t>maket</a:t>
+            </a:r>
+            <a:r>
+              <a:rPr kumimoji="1" lang="en-US" altLang="ko-Kore-KR" dirty="0"/>
+              <a:t> </a:t>
+            </a:r>
+            <a:r>
+              <a:rPr kumimoji="1" lang="en-US" altLang="ko-Kore-KR" dirty="0" err="1"/>
+              <a:t>operactions</a:t>
+            </a:r>
+            <a:r>
+              <a:rPr kumimoji="1" lang="en-US" altLang="ko-Kore-KR" dirty="0"/>
+              <a:t>) </a:t>
+            </a:r>
+            <a:endParaRPr kumimoji="1" lang="ko-Kore-KR" altLang="en-US" dirty="0"/>
+          </a:p>
+        </p:txBody>
+      </p:sp>
+      <p:sp>
+        <p:nvSpPr>
+          <p:cNvPr id="5" name="직사각형 4">
+            <a:extLst>
+              <a:ext uri="{FF2B5EF4-FFF2-40B4-BE49-F238E27FC236}">
+                <a16:creationId xmlns:a16="http://schemas.microsoft.com/office/drawing/2014/main" id="{7200AAEE-7C74-6045-9189-9EFAC04252DF}"/>
+              </a:ext>
+            </a:extLst>
+          </p:cNvPr>
+          <p:cNvSpPr/>
+          <p:nvPr/>
+        </p:nvSpPr>
+        <p:spPr>
+          <a:xfrm>
+            <a:off x="4820094" y="2195623"/>
+            <a:ext cx="2094613" cy="1233377"/>
+          </a:xfrm>
+          <a:prstGeom prst="rect">
+            <a:avLst/>
+          </a:prstGeom>
+        </p:spPr>
+        <p:style>
+          <a:lnRef idx="2">
+            <a:schemeClr val="accent1">
+              <a:shade val="50000"/>
+            </a:schemeClr>
+          </a:lnRef>
+          <a:fillRef idx="1">
+            <a:schemeClr val="accent1"/>
+          </a:fillRef>
+          <a:effectRef idx="0">
+            <a:schemeClr val="accent1"/>
+          </a:effectRef>
+          <a:fontRef idx="minor">
+            <a:schemeClr val="lt1"/>
+          </a:fontRef>
+        </p:style>
+        <p:txBody>
+          <a:bodyPr rtlCol="0" anchor="ctr"/>
+          <a:lstStyle/>
+          <a:p>
+            <a:pPr algn="ctr"/>
+            <a:r>
+              <a:rPr kumimoji="1" lang="ko-Kore-KR" altLang="en-US" dirty="0"/>
+              <a:t>재할인율</a:t>
+            </a:r>
+            <a:r>
+              <a:rPr kumimoji="1" lang="ko-KR" altLang="en-US" dirty="0"/>
+              <a:t> 조절</a:t>
+            </a:r>
+            <a:endParaRPr kumimoji="1" lang="en-US" altLang="ko-KR" dirty="0"/>
+          </a:p>
+          <a:p>
+            <a:pPr algn="ctr"/>
+            <a:r>
+              <a:rPr kumimoji="1" lang="en-US" altLang="ko-KR" dirty="0"/>
+              <a:t>(Discount Rate)</a:t>
+            </a:r>
+            <a:endParaRPr kumimoji="1" lang="ko-Kore-KR" altLang="en-US" dirty="0"/>
+          </a:p>
+        </p:txBody>
+      </p:sp>
+      <p:sp>
+        <p:nvSpPr>
+          <p:cNvPr id="7" name="직사각형 6">
+            <a:extLst>
+              <a:ext uri="{FF2B5EF4-FFF2-40B4-BE49-F238E27FC236}">
+                <a16:creationId xmlns:a16="http://schemas.microsoft.com/office/drawing/2014/main" id="{F59AAA30-B04D-E745-B403-0D773959EE4F}"/>
+              </a:ext>
+            </a:extLst>
+          </p:cNvPr>
+          <p:cNvSpPr/>
+          <p:nvPr/>
+        </p:nvSpPr>
+        <p:spPr>
+          <a:xfrm>
+            <a:off x="7871639" y="2195622"/>
+            <a:ext cx="2094613" cy="1233377"/>
+          </a:xfrm>
+          <a:prstGeom prst="rect">
+            <a:avLst/>
+          </a:prstGeom>
+        </p:spPr>
+        <p:style>
+          <a:lnRef idx="2">
+            <a:schemeClr val="accent1">
+              <a:shade val="50000"/>
+            </a:schemeClr>
+          </a:lnRef>
+          <a:fillRef idx="1">
+            <a:schemeClr val="accent1"/>
+          </a:fillRef>
+          <a:effectRef idx="0">
+            <a:schemeClr val="accent1"/>
+          </a:effectRef>
+          <a:fontRef idx="minor">
+            <a:schemeClr val="lt1"/>
+          </a:fontRef>
+        </p:style>
+        <p:txBody>
+          <a:bodyPr rtlCol="0" anchor="ctr"/>
+          <a:lstStyle/>
+          <a:p>
+            <a:pPr algn="ctr"/>
+            <a:r>
+              <a:rPr kumimoji="1" lang="ko-KR" altLang="en-US" dirty="0"/>
+              <a:t>지급준비금 조절</a:t>
+            </a:r>
+            <a:endParaRPr kumimoji="1" lang="en-US" altLang="ko-KR" dirty="0"/>
+          </a:p>
+          <a:p>
+            <a:pPr algn="ctr"/>
+            <a:r>
+              <a:rPr kumimoji="1" lang="en-US" altLang="ko-KR" dirty="0"/>
+              <a:t>(Reserve Requirement)</a:t>
+            </a:r>
+          </a:p>
+        </p:txBody>
+      </p:sp>
+      <p:sp>
+        <p:nvSpPr>
+          <p:cNvPr id="8" name="직사각형 7">
+            <a:extLst>
+              <a:ext uri="{FF2B5EF4-FFF2-40B4-BE49-F238E27FC236}">
+                <a16:creationId xmlns:a16="http://schemas.microsoft.com/office/drawing/2014/main" id="{779CEB73-F7D4-0C49-A4F3-97976F3E43BC}"/>
+              </a:ext>
+            </a:extLst>
+          </p:cNvPr>
+          <p:cNvSpPr/>
+          <p:nvPr/>
+        </p:nvSpPr>
+        <p:spPr>
+          <a:xfrm>
+            <a:off x="3948224" y="478466"/>
+            <a:ext cx="4132520" cy="723014"/>
+          </a:xfrm>
+          <a:prstGeom prst="rect">
+            <a:avLst/>
+          </a:prstGeom>
+          <a:noFill/>
+          <a:ln>
+            <a:noFill/>
+          </a:ln>
+        </p:spPr>
+        <p:style>
+          <a:lnRef idx="0">
+            <a:scrgbClr r="0" g="0" b="0"/>
+          </a:lnRef>
+          <a:fillRef idx="0">
+            <a:scrgbClr r="0" g="0" b="0"/>
+          </a:fillRef>
+          <a:effectRef idx="0">
+            <a:scrgbClr r="0" g="0" b="0"/>
+          </a:effectRef>
+          <a:fontRef idx="minor">
+            <a:schemeClr val="accent2"/>
+          </a:fontRef>
+        </p:style>
+        <p:txBody>
+          <a:bodyPr rtlCol="0" anchor="ctr"/>
+          <a:lstStyle/>
+          <a:p>
+            <a:pPr algn="ctr"/>
+            <a:r>
+              <a:rPr kumimoji="1" lang="ko-KR" altLang="en-US" dirty="0"/>
+              <a:t>한국은행의 통화 정책</a:t>
+            </a:r>
+            <a:endParaRPr kumimoji="1" lang="en-US" altLang="ko-KR" dirty="0"/>
+          </a:p>
+        </p:txBody>
+      </p:sp>
+      <p:sp>
+        <p:nvSpPr>
+          <p:cNvPr id="9" name="TextBox 8">
+            <a:extLst>
+              <a:ext uri="{FF2B5EF4-FFF2-40B4-BE49-F238E27FC236}">
+                <a16:creationId xmlns:a16="http://schemas.microsoft.com/office/drawing/2014/main" id="{0E328FCE-D1AF-1840-8517-538A9004670C}"/>
+              </a:ext>
+            </a:extLst>
+          </p:cNvPr>
+          <p:cNvSpPr txBox="1"/>
+          <p:nvPr/>
+        </p:nvSpPr>
+        <p:spPr>
+          <a:xfrm>
+            <a:off x="808074" y="4912241"/>
+            <a:ext cx="11041805" cy="923330"/>
+          </a:xfrm>
+          <a:prstGeom prst="rect">
+            <a:avLst/>
+          </a:prstGeom>
+          <a:noFill/>
+        </p:spPr>
+        <p:txBody>
+          <a:bodyPr wrap="none" rtlCol="0">
+            <a:spAutoFit/>
+          </a:bodyPr>
+          <a:lstStyle/>
+          <a:p>
+            <a:r>
+              <a:rPr kumimoji="1" lang="ko-Kore-KR" altLang="en-US" dirty="0"/>
+              <a:t>공개시장조작</a:t>
+            </a:r>
+            <a:r>
+              <a:rPr kumimoji="1" lang="ko-KR" altLang="en-US" dirty="0"/>
+              <a:t> </a:t>
+            </a:r>
+            <a:r>
+              <a:rPr kumimoji="1" lang="en-US" altLang="ko-KR" dirty="0"/>
+              <a:t>:</a:t>
+            </a:r>
+            <a:r>
+              <a:rPr kumimoji="1" lang="ko-KR" altLang="en-US" dirty="0"/>
+              <a:t> </a:t>
+            </a:r>
+            <a:r>
+              <a:rPr kumimoji="1" lang="ko-Kore-KR" altLang="en-US" dirty="0"/>
+              <a:t>공개시장조작을</a:t>
+            </a:r>
+            <a:r>
+              <a:rPr kumimoji="1" lang="ko-KR" altLang="en-US" dirty="0"/>
+              <a:t> 통해 유가증권을 매입</a:t>
+            </a:r>
+            <a:r>
+              <a:rPr kumimoji="1" lang="en-US" altLang="ko-KR" dirty="0"/>
+              <a:t>/</a:t>
+            </a:r>
+            <a:r>
+              <a:rPr kumimoji="1" lang="ko-KR" altLang="en-US" dirty="0"/>
+              <a:t>매각 통화를 조절</a:t>
+            </a:r>
+            <a:r>
+              <a:rPr kumimoji="1" lang="en-US" altLang="ko-KR" dirty="0"/>
+              <a:t>.</a:t>
+            </a:r>
+          </a:p>
+          <a:p>
+            <a:r>
+              <a:rPr kumimoji="1" lang="ko-KR" altLang="en-US" dirty="0"/>
+              <a:t>재할인율 </a:t>
+            </a:r>
+            <a:r>
+              <a:rPr kumimoji="1" lang="en-US" altLang="ko-KR" dirty="0"/>
+              <a:t>:</a:t>
+            </a:r>
+            <a:r>
+              <a:rPr kumimoji="1" lang="ko-KR" altLang="en-US" dirty="0"/>
+              <a:t> 시중은행이 중앙은행</a:t>
+            </a:r>
+            <a:r>
+              <a:rPr kumimoji="1" lang="en-US" altLang="ko-KR" dirty="0"/>
+              <a:t>(</a:t>
+            </a:r>
+            <a:r>
+              <a:rPr kumimoji="1" lang="ko-KR" altLang="en-US" dirty="0"/>
+              <a:t>한국은행</a:t>
+            </a:r>
+            <a:r>
+              <a:rPr kumimoji="1" lang="en-US" altLang="ko-KR" dirty="0"/>
+              <a:t>)</a:t>
+            </a:r>
+            <a:r>
+              <a:rPr kumimoji="1" lang="ko-KR" altLang="en-US" dirty="0"/>
+              <a:t>에서 대출시 할인율</a:t>
+            </a:r>
+            <a:r>
+              <a:rPr kumimoji="1" lang="en-US" altLang="ko-KR" dirty="0"/>
+              <a:t>(</a:t>
+            </a:r>
+            <a:r>
+              <a:rPr kumimoji="1" lang="ko-KR" altLang="en-US" dirty="0"/>
+              <a:t>금리</a:t>
+            </a:r>
+            <a:r>
+              <a:rPr kumimoji="1" lang="en-US" altLang="ko-KR" dirty="0"/>
+              <a:t>)</a:t>
+            </a:r>
+            <a:r>
+              <a:rPr kumimoji="1" lang="ko-KR" altLang="en-US" dirty="0" err="1"/>
+              <a:t>를</a:t>
+            </a:r>
+            <a:r>
+              <a:rPr kumimoji="1" lang="ko-KR" altLang="en-US" dirty="0"/>
+              <a:t> 높이거나 </a:t>
+            </a:r>
+            <a:r>
+              <a:rPr kumimoji="1" lang="ko-KR" altLang="en-US" dirty="0" err="1"/>
+              <a:t>낮취서</a:t>
+            </a:r>
+            <a:r>
+              <a:rPr kumimoji="1" lang="ko-KR" altLang="en-US" dirty="0"/>
+              <a:t> 시중에 통화를 조절</a:t>
+            </a:r>
+            <a:r>
+              <a:rPr kumimoji="1" lang="en-US" altLang="ko-KR" dirty="0"/>
+              <a:t>.</a:t>
+            </a:r>
+          </a:p>
+          <a:p>
+            <a:r>
+              <a:rPr kumimoji="1" lang="ko-KR" altLang="en-US" dirty="0" err="1"/>
+              <a:t>지금준비금</a:t>
+            </a:r>
+            <a:r>
+              <a:rPr kumimoji="1" lang="ko-KR" altLang="en-US" dirty="0"/>
+              <a:t> </a:t>
+            </a:r>
+            <a:r>
+              <a:rPr kumimoji="1" lang="en-US" altLang="ko-KR" dirty="0"/>
+              <a:t>:</a:t>
+            </a:r>
+            <a:r>
+              <a:rPr kumimoji="1" lang="ko-KR" altLang="en-US" dirty="0"/>
+              <a:t> 각 은행이 중앙은행</a:t>
+            </a:r>
+            <a:r>
+              <a:rPr kumimoji="1" lang="en-US" altLang="ko-KR" dirty="0"/>
+              <a:t>(</a:t>
+            </a:r>
+            <a:r>
+              <a:rPr kumimoji="1" lang="ko-KR" altLang="en-US" dirty="0"/>
+              <a:t>한국은행</a:t>
+            </a:r>
+            <a:r>
+              <a:rPr kumimoji="1" lang="en-US" altLang="ko-KR" dirty="0"/>
+              <a:t>)</a:t>
+            </a:r>
+            <a:r>
+              <a:rPr kumimoji="1" lang="ko-KR" altLang="en-US" dirty="0"/>
+              <a:t>에 의무적으로 보관해야 하는 지급 준비금의 비율을 조절</a:t>
+            </a:r>
+            <a:r>
+              <a:rPr kumimoji="1" lang="en-US" altLang="ko-KR" dirty="0"/>
+              <a:t>.</a:t>
+            </a:r>
+            <a:endParaRPr kumimoji="1" lang="ko-Kore-KR" altLang="en-US" dirty="0"/>
+          </a:p>
+        </p:txBody>
+      </p:sp>
+    </p:spTree>
+    <p:extLst>
+      <p:ext uri="{BB962C8B-B14F-4D97-AF65-F5344CB8AC3E}">
+        <p14:creationId xmlns:p14="http://schemas.microsoft.com/office/powerpoint/2010/main" val="686919043"/>
       </p:ext>
     </p:extLst>
   </p:cSld>

--- a/django oracle 연동.pptx
+++ b/django oracle 연동.pptx
@@ -7,7 +7,8 @@
   <p:sldIdLst>
     <p:sldId id="256" r:id="rId2"/>
     <p:sldId id="257" r:id="rId3"/>
-    <p:sldId id="258" r:id="rId4"/>
+    <p:sldId id="259" r:id="rId4"/>
+    <p:sldId id="258" r:id="rId5"/>
   </p:sldIdLst>
   <p:sldSz cx="12192000" cy="6858000"/>
   <p:notesSz cx="6858000" cy="9144000"/>
@@ -3756,6 +3757,350 @@
           <p:cNvPr id="4" name="직사각형 3">
             <a:extLst>
               <a:ext uri="{FF2B5EF4-FFF2-40B4-BE49-F238E27FC236}">
+                <a16:creationId xmlns:a16="http://schemas.microsoft.com/office/drawing/2014/main" id="{1C7F39ED-7831-584D-B42B-4092336444B4}"/>
+              </a:ext>
+            </a:extLst>
+          </p:cNvPr>
+          <p:cNvSpPr/>
+          <p:nvPr/>
+        </p:nvSpPr>
+        <p:spPr>
+          <a:xfrm>
+            <a:off x="623777" y="221373"/>
+            <a:ext cx="10784958" cy="2862322"/>
+          </a:xfrm>
+          <a:prstGeom prst="rect">
+            <a:avLst/>
+          </a:prstGeom>
+        </p:spPr>
+        <p:txBody>
+          <a:bodyPr wrap="square">
+            <a:spAutoFit/>
+          </a:bodyPr>
+          <a:lstStyle/>
+          <a:p>
+            <a:r>
+              <a:rPr lang="en" altLang="ko-Kore-KR" b="1" i="0" dirty="0">
+                <a:solidFill>
+                  <a:srgbClr val="404040"/>
+                </a:solidFill>
+                <a:effectLst/>
+                <a:latin typeface="Roboto Slab"/>
+              </a:rPr>
+              <a:t>Quick Start </a:t>
+            </a:r>
+            <a:r>
+              <a:rPr lang="en" altLang="ko-Kore-KR" b="1" i="0" dirty="0" err="1">
+                <a:solidFill>
+                  <a:srgbClr val="404040"/>
+                </a:solidFill>
+                <a:effectLst/>
+                <a:latin typeface="Roboto Slab"/>
+              </a:rPr>
+              <a:t>cx_Oracle</a:t>
+            </a:r>
+            <a:r>
+              <a:rPr lang="en" altLang="ko-Kore-KR" b="1" i="0" dirty="0">
+                <a:solidFill>
+                  <a:srgbClr val="404040"/>
+                </a:solidFill>
+                <a:effectLst/>
+                <a:latin typeface="Roboto Slab"/>
+              </a:rPr>
+              <a:t> Installation</a:t>
+            </a:r>
+          </a:p>
+          <a:p>
+            <a:pPr>
+              <a:buFont typeface="Arial" panose="020B0604020202020204" pitchFamily="34" charset="0"/>
+              <a:buChar char="•"/>
+            </a:pPr>
+            <a:r>
+              <a:rPr lang="en" altLang="ko-Kore-KR" b="0" i="0" dirty="0">
+                <a:solidFill>
+                  <a:srgbClr val="404040"/>
+                </a:solidFill>
+                <a:effectLst/>
+                <a:latin typeface="Lato"/>
+              </a:rPr>
+              <a:t>Install </a:t>
+            </a:r>
+            <a:r>
+              <a:rPr lang="en" altLang="ko-Kore-KR" b="0" i="0" u="none" strike="noStrike" dirty="0">
+                <a:solidFill>
+                  <a:srgbClr val="9B59B6"/>
+                </a:solidFill>
+                <a:effectLst/>
+                <a:latin typeface="Lato"/>
+                <a:hlinkClick r:id="rId2"/>
+              </a:rPr>
+              <a:t>Python</a:t>
+            </a:r>
+            <a:r>
+              <a:rPr lang="en" altLang="ko-Kore-KR" b="0" i="0" dirty="0">
+                <a:solidFill>
+                  <a:srgbClr val="404040"/>
+                </a:solidFill>
+                <a:effectLst/>
+                <a:latin typeface="Lato"/>
+              </a:rPr>
+              <a:t> 3, if not already available. On macOS you must always install your own Python.</a:t>
+            </a:r>
+          </a:p>
+          <a:p>
+            <a:pPr>
+              <a:buFont typeface="Arial" panose="020B0604020202020204" pitchFamily="34" charset="0"/>
+              <a:buChar char="•"/>
+            </a:pPr>
+            <a:r>
+              <a:rPr lang="en" altLang="ko-Kore-KR" b="0" i="0" dirty="0">
+                <a:solidFill>
+                  <a:srgbClr val="404040"/>
+                </a:solidFill>
+                <a:effectLst/>
+                <a:latin typeface="Lato"/>
+              </a:rPr>
+              <a:t>Python 3.5 and higher are supported by </a:t>
+            </a:r>
+            <a:r>
+              <a:rPr lang="en" altLang="ko-Kore-KR" b="0" i="0" dirty="0" err="1">
+                <a:solidFill>
+                  <a:srgbClr val="404040"/>
+                </a:solidFill>
+                <a:effectLst/>
+                <a:latin typeface="Lato"/>
+              </a:rPr>
+              <a:t>cx_Oracle</a:t>
+            </a:r>
+            <a:r>
+              <a:rPr lang="en" altLang="ko-Kore-KR" b="0" i="0" dirty="0">
+                <a:solidFill>
+                  <a:srgbClr val="404040"/>
+                </a:solidFill>
+                <a:effectLst/>
+                <a:latin typeface="Lato"/>
+              </a:rPr>
+              <a:t> 8. If you use Python 2, then the older </a:t>
+            </a:r>
+            <a:r>
+              <a:rPr lang="en" altLang="ko-Kore-KR" b="0" i="0" dirty="0" err="1">
+                <a:solidFill>
+                  <a:srgbClr val="404040"/>
+                </a:solidFill>
+                <a:effectLst/>
+                <a:latin typeface="Lato"/>
+              </a:rPr>
+              <a:t>cx_Oracle</a:t>
+            </a:r>
+            <a:r>
+              <a:rPr lang="en" altLang="ko-Kore-KR" b="0" i="0" dirty="0">
+                <a:solidFill>
+                  <a:srgbClr val="404040"/>
+                </a:solidFill>
+                <a:effectLst/>
+                <a:latin typeface="Lato"/>
+              </a:rPr>
+              <a:t> 7.3 will install.</a:t>
+            </a:r>
+          </a:p>
+          <a:p>
+            <a:pPr>
+              <a:buFont typeface="Arial" panose="020B0604020202020204" pitchFamily="34" charset="0"/>
+              <a:buChar char="•"/>
+            </a:pPr>
+            <a:r>
+              <a:rPr lang="en" altLang="ko-Kore-KR" b="0" i="0" dirty="0">
+                <a:solidFill>
+                  <a:srgbClr val="404040"/>
+                </a:solidFill>
+                <a:effectLst/>
+                <a:latin typeface="Lato"/>
+              </a:rPr>
+              <a:t>Install </a:t>
+            </a:r>
+            <a:r>
+              <a:rPr lang="en" altLang="ko-Kore-KR" b="0" i="0" dirty="0" err="1">
+                <a:solidFill>
+                  <a:srgbClr val="404040"/>
+                </a:solidFill>
+                <a:effectLst/>
+                <a:latin typeface="Lato"/>
+              </a:rPr>
+              <a:t>cx_Oracle</a:t>
+            </a:r>
+            <a:r>
+              <a:rPr lang="en" altLang="ko-Kore-KR" b="0" i="0" dirty="0">
+                <a:solidFill>
+                  <a:srgbClr val="404040"/>
+                </a:solidFill>
+                <a:effectLst/>
+                <a:latin typeface="Lato"/>
+              </a:rPr>
+              <a:t> from </a:t>
+            </a:r>
+            <a:r>
+              <a:rPr lang="en" altLang="ko-Kore-KR" b="0" i="0" u="none" strike="noStrike" dirty="0">
+                <a:solidFill>
+                  <a:srgbClr val="9B59B6"/>
+                </a:solidFill>
+                <a:effectLst/>
+                <a:latin typeface="Lato"/>
+                <a:hlinkClick r:id="rId3"/>
+              </a:rPr>
+              <a:t>PyPI</a:t>
+            </a:r>
+            <a:r>
+              <a:rPr lang="en" altLang="ko-Kore-KR" b="0" i="0" dirty="0">
+                <a:solidFill>
+                  <a:srgbClr val="404040"/>
+                </a:solidFill>
+                <a:effectLst/>
+                <a:latin typeface="Lato"/>
+              </a:rPr>
+              <a:t> with:</a:t>
+            </a:r>
+          </a:p>
+          <a:p>
+            <a:pPr>
+              <a:buFont typeface="Arial" panose="020B0604020202020204" pitchFamily="34" charset="0"/>
+              <a:buChar char="•"/>
+            </a:pPr>
+            <a:r>
+              <a:rPr lang="en" altLang="ko-Kore-KR" b="0" i="0" dirty="0">
+                <a:solidFill>
+                  <a:srgbClr val="404040"/>
+                </a:solidFill>
+                <a:effectLst/>
+                <a:latin typeface="Lato"/>
+              </a:rPr>
+              <a:t>python -m pip install </a:t>
+            </a:r>
+            <a:r>
+              <a:rPr lang="en" altLang="ko-Kore-KR" b="0" i="0" dirty="0" err="1">
+                <a:solidFill>
+                  <a:srgbClr val="404040"/>
+                </a:solidFill>
+                <a:effectLst/>
+                <a:latin typeface="Lato"/>
+              </a:rPr>
+              <a:t>cx_Oracle</a:t>
+            </a:r>
+            <a:r>
+              <a:rPr lang="en" altLang="ko-Kore-KR" b="0" i="0" dirty="0">
+                <a:solidFill>
+                  <a:srgbClr val="404040"/>
+                </a:solidFill>
+                <a:effectLst/>
+                <a:latin typeface="Lato"/>
+              </a:rPr>
+              <a:t> --upgrade </a:t>
+            </a:r>
+          </a:p>
+          <a:p>
+            <a:pPr>
+              <a:buFont typeface="Arial" panose="020B0604020202020204" pitchFamily="34" charset="0"/>
+              <a:buChar char="•"/>
+            </a:pPr>
+            <a:r>
+              <a:rPr lang="en" altLang="ko-Kore-KR" b="0" i="0" dirty="0">
+                <a:solidFill>
+                  <a:srgbClr val="404040"/>
+                </a:solidFill>
+                <a:effectLst/>
+                <a:latin typeface="Lato"/>
+              </a:rPr>
+              <a:t>Note: if a binary wheel package is not available for your platform, the source package will be downloaded instead. This will be compiled and the resulting binary installed.</a:t>
+            </a:r>
+          </a:p>
+          <a:p>
+            <a:pPr>
+              <a:buFont typeface="Arial" panose="020B0604020202020204" pitchFamily="34" charset="0"/>
+              <a:buChar char="•"/>
+            </a:pPr>
+            <a:r>
+              <a:rPr lang="en" altLang="ko-Kore-KR" b="0" i="0" dirty="0">
+                <a:solidFill>
+                  <a:srgbClr val="404040"/>
+                </a:solidFill>
+                <a:effectLst/>
+                <a:latin typeface="Lato"/>
+              </a:rPr>
+              <a:t>The --user option may be useful, if you don’t have permission to write to system directories:</a:t>
+            </a:r>
+          </a:p>
+          <a:p>
+            <a:pPr>
+              <a:buFont typeface="Arial" panose="020B0604020202020204" pitchFamily="34" charset="0"/>
+              <a:buChar char="•"/>
+            </a:pPr>
+            <a:r>
+              <a:rPr lang="en" altLang="ko-Kore-KR" b="0" i="0" dirty="0">
+                <a:solidFill>
+                  <a:srgbClr val="404040"/>
+                </a:solidFill>
+                <a:effectLst/>
+                <a:latin typeface="Lato"/>
+              </a:rPr>
+              <a:t>python -m pip install </a:t>
+            </a:r>
+            <a:r>
+              <a:rPr lang="en" altLang="ko-Kore-KR" b="0" i="0" dirty="0" err="1">
+                <a:solidFill>
+                  <a:srgbClr val="404040"/>
+                </a:solidFill>
+                <a:effectLst/>
+                <a:latin typeface="Lato"/>
+              </a:rPr>
+              <a:t>cx_Oracle</a:t>
+            </a:r>
+            <a:r>
+              <a:rPr lang="en" altLang="ko-Kore-KR" b="0" i="0" dirty="0">
+                <a:solidFill>
+                  <a:srgbClr val="404040"/>
+                </a:solidFill>
+                <a:effectLst/>
+                <a:latin typeface="Lato"/>
+              </a:rPr>
+              <a:t> --upgrade --user</a:t>
+            </a:r>
+          </a:p>
+        </p:txBody>
+      </p:sp>
+    </p:spTree>
+    <p:extLst>
+      <p:ext uri="{BB962C8B-B14F-4D97-AF65-F5344CB8AC3E}">
+        <p14:creationId xmlns:p14="http://schemas.microsoft.com/office/powerpoint/2010/main" val="3512584806"/>
+      </p:ext>
+    </p:extLst>
+  </p:cSld>
+  <p:clrMapOvr>
+    <a:masterClrMapping/>
+  </p:clrMapOvr>
+</p:sld>
+</file>
+
+<file path=ppt/slides/slide4.xml><?xml version="1.0" encoding="utf-8"?>
+<p:sld xmlns:a="http://schemas.openxmlformats.org/drawingml/2006/main" xmlns:r="http://schemas.openxmlformats.org/officeDocument/2006/relationships" xmlns:p="http://schemas.openxmlformats.org/presentationml/2006/main">
+  <p:cSld>
+    <p:spTree>
+      <p:nvGrpSpPr>
+        <p:cNvPr id="1" name=""/>
+        <p:cNvGrpSpPr/>
+        <p:nvPr/>
+      </p:nvGrpSpPr>
+      <p:grpSpPr>
+        <a:xfrm>
+          <a:off x="0" y="0"/>
+          <a:ext cx="0" cy="0"/>
+          <a:chOff x="0" y="0"/>
+          <a:chExt cx="0" cy="0"/>
+        </a:xfrm>
+      </p:grpSpPr>
+      <p:sp>
+        <p:nvSpPr>
+          <p:cNvPr id="4" name="직사각형 3">
+            <a:extLst>
+              <a:ext uri="{FF2B5EF4-FFF2-40B4-BE49-F238E27FC236}">
                 <a16:creationId xmlns:a16="http://schemas.microsoft.com/office/drawing/2014/main" id="{E76F688A-E72F-CB4B-9AD1-A0B226AAC941}"/>
               </a:ext>
             </a:extLst>

--- a/django oracle 연동.pptx
+++ b/django oracle 연동.pptx
@@ -9,6 +9,7 @@
     <p:sldId id="257" r:id="rId3"/>
     <p:sldId id="259" r:id="rId4"/>
     <p:sldId id="258" r:id="rId5"/>
+    <p:sldId id="260" r:id="rId6"/>
   </p:sldIdLst>
   <p:sldSz cx="12192000" cy="6858000"/>
   <p:notesSz cx="6858000" cy="9144000"/>
@@ -107,6 +108,11 @@
       </a:defRPr>
     </a:lvl9pPr>
   </p:defaultTextStyle>
+  <p:extLst>
+    <p:ext uri="{EFAFB233-063F-42B5-8137-9DF3F51BA10A}">
+      <p15:sldGuideLst xmlns:p15="http://schemas.microsoft.com/office/powerpoint/2012/main"/>
+    </p:ext>
+  </p:extLst>
 </p:presentation>
 </file>
 
@@ -259,7 +265,7 @@
           <a:p>
             <a:fld id="{75150791-87F9-2140-9996-BBE4230B4334}" type="datetimeFigureOut">
               <a:rPr kumimoji="1" lang="ko-Kore-KR" altLang="en-US" smtClean="0"/>
-              <a:t>2020. 11. 23.</a:t>
+              <a:t>2020. 12. 4.</a:t>
             </a:fld>
             <a:endParaRPr kumimoji="1" lang="ko-Kore-KR" altLang="en-US"/>
           </a:p>
@@ -459,7 +465,7 @@
           <a:p>
             <a:fld id="{75150791-87F9-2140-9996-BBE4230B4334}" type="datetimeFigureOut">
               <a:rPr kumimoji="1" lang="ko-Kore-KR" altLang="en-US" smtClean="0"/>
-              <a:t>2020. 11. 23.</a:t>
+              <a:t>2020. 12. 4.</a:t>
             </a:fld>
             <a:endParaRPr kumimoji="1" lang="ko-Kore-KR" altLang="en-US"/>
           </a:p>
@@ -669,7 +675,7 @@
           <a:p>
             <a:fld id="{75150791-87F9-2140-9996-BBE4230B4334}" type="datetimeFigureOut">
               <a:rPr kumimoji="1" lang="ko-Kore-KR" altLang="en-US" smtClean="0"/>
-              <a:t>2020. 11. 23.</a:t>
+              <a:t>2020. 12. 4.</a:t>
             </a:fld>
             <a:endParaRPr kumimoji="1" lang="ko-Kore-KR" altLang="en-US"/>
           </a:p>
@@ -869,7 +875,7 @@
           <a:p>
             <a:fld id="{75150791-87F9-2140-9996-BBE4230B4334}" type="datetimeFigureOut">
               <a:rPr kumimoji="1" lang="ko-Kore-KR" altLang="en-US" smtClean="0"/>
-              <a:t>2020. 11. 23.</a:t>
+              <a:t>2020. 12. 4.</a:t>
             </a:fld>
             <a:endParaRPr kumimoji="1" lang="ko-Kore-KR" altLang="en-US"/>
           </a:p>
@@ -1145,7 +1151,7 @@
           <a:p>
             <a:fld id="{75150791-87F9-2140-9996-BBE4230B4334}" type="datetimeFigureOut">
               <a:rPr kumimoji="1" lang="ko-Kore-KR" altLang="en-US" smtClean="0"/>
-              <a:t>2020. 11. 23.</a:t>
+              <a:t>2020. 12. 4.</a:t>
             </a:fld>
             <a:endParaRPr kumimoji="1" lang="ko-Kore-KR" altLang="en-US"/>
           </a:p>
@@ -1413,7 +1419,7 @@
           <a:p>
             <a:fld id="{75150791-87F9-2140-9996-BBE4230B4334}" type="datetimeFigureOut">
               <a:rPr kumimoji="1" lang="ko-Kore-KR" altLang="en-US" smtClean="0"/>
-              <a:t>2020. 11. 23.</a:t>
+              <a:t>2020. 12. 4.</a:t>
             </a:fld>
             <a:endParaRPr kumimoji="1" lang="ko-Kore-KR" altLang="en-US"/>
           </a:p>
@@ -1828,7 +1834,7 @@
           <a:p>
             <a:fld id="{75150791-87F9-2140-9996-BBE4230B4334}" type="datetimeFigureOut">
               <a:rPr kumimoji="1" lang="ko-Kore-KR" altLang="en-US" smtClean="0"/>
-              <a:t>2020. 11. 23.</a:t>
+              <a:t>2020. 12. 4.</a:t>
             </a:fld>
             <a:endParaRPr kumimoji="1" lang="ko-Kore-KR" altLang="en-US"/>
           </a:p>
@@ -1970,7 +1976,7 @@
           <a:p>
             <a:fld id="{75150791-87F9-2140-9996-BBE4230B4334}" type="datetimeFigureOut">
               <a:rPr kumimoji="1" lang="ko-Kore-KR" altLang="en-US" smtClean="0"/>
-              <a:t>2020. 11. 23.</a:t>
+              <a:t>2020. 12. 4.</a:t>
             </a:fld>
             <a:endParaRPr kumimoji="1" lang="ko-Kore-KR" altLang="en-US"/>
           </a:p>
@@ -2083,7 +2089,7 @@
           <a:p>
             <a:fld id="{75150791-87F9-2140-9996-BBE4230B4334}" type="datetimeFigureOut">
               <a:rPr kumimoji="1" lang="ko-Kore-KR" altLang="en-US" smtClean="0"/>
-              <a:t>2020. 11. 23.</a:t>
+              <a:t>2020. 12. 4.</a:t>
             </a:fld>
             <a:endParaRPr kumimoji="1" lang="ko-Kore-KR" altLang="en-US"/>
           </a:p>
@@ -2396,7 +2402,7 @@
           <a:p>
             <a:fld id="{75150791-87F9-2140-9996-BBE4230B4334}" type="datetimeFigureOut">
               <a:rPr kumimoji="1" lang="ko-Kore-KR" altLang="en-US" smtClean="0"/>
-              <a:t>2020. 11. 23.</a:t>
+              <a:t>2020. 12. 4.</a:t>
             </a:fld>
             <a:endParaRPr kumimoji="1" lang="ko-Kore-KR" altLang="en-US"/>
           </a:p>
@@ -2685,7 +2691,7 @@
           <a:p>
             <a:fld id="{75150791-87F9-2140-9996-BBE4230B4334}" type="datetimeFigureOut">
               <a:rPr kumimoji="1" lang="ko-Kore-KR" altLang="en-US" smtClean="0"/>
-              <a:t>2020. 11. 23.</a:t>
+              <a:t>2020. 12. 4.</a:t>
             </a:fld>
             <a:endParaRPr kumimoji="1" lang="ko-Kore-KR" altLang="en-US"/>
           </a:p>
@@ -2928,7 +2934,7 @@
           <a:p>
             <a:fld id="{75150791-87F9-2140-9996-BBE4230B4334}" type="datetimeFigureOut">
               <a:rPr kumimoji="1" lang="ko-Kore-KR" altLang="en-US" smtClean="0"/>
-              <a:t>2020. 11. 23.</a:t>
+              <a:t>2020. 12. 4.</a:t>
             </a:fld>
             <a:endParaRPr kumimoji="1" lang="ko-Kore-KR" altLang="en-US"/>
           </a:p>
@@ -4522,6 +4528,447 @@
 </p:sld>
 </file>
 
+<file path=ppt/slides/slide5.xml><?xml version="1.0" encoding="utf-8"?>
+<p:sld xmlns:a="http://schemas.openxmlformats.org/drawingml/2006/main" xmlns:r="http://schemas.openxmlformats.org/officeDocument/2006/relationships" xmlns:p="http://schemas.openxmlformats.org/presentationml/2006/main">
+  <p:cSld>
+    <p:spTree>
+      <p:nvGrpSpPr>
+        <p:cNvPr id="1" name=""/>
+        <p:cNvGrpSpPr/>
+        <p:nvPr/>
+      </p:nvGrpSpPr>
+      <p:grpSpPr>
+        <a:xfrm>
+          <a:off x="0" y="0"/>
+          <a:ext cx="0" cy="0"/>
+          <a:chOff x="0" y="0"/>
+          <a:chExt cx="0" cy="0"/>
+        </a:xfrm>
+      </p:grpSpPr>
+      <p:pic>
+        <p:nvPicPr>
+          <p:cNvPr id="4" name="그림 3">
+            <a:extLst>
+              <a:ext uri="{FF2B5EF4-FFF2-40B4-BE49-F238E27FC236}">
+                <a16:creationId xmlns:a16="http://schemas.microsoft.com/office/drawing/2014/main" id="{0397A951-E1D8-0A47-BFD2-E72AA1745530}"/>
+              </a:ext>
+            </a:extLst>
+          </p:cNvPr>
+          <p:cNvPicPr>
+            <a:picLocks noChangeAspect="1"/>
+          </p:cNvPicPr>
+          <p:nvPr/>
+        </p:nvPicPr>
+        <p:blipFill>
+          <a:blip r:embed="rId2"/>
+          <a:stretch>
+            <a:fillRect/>
+          </a:stretch>
+        </p:blipFill>
+        <p:spPr>
+          <a:xfrm>
+            <a:off x="432619" y="0"/>
+            <a:ext cx="11326761" cy="6858000"/>
+          </a:xfrm>
+          <a:prstGeom prst="rect">
+            <a:avLst/>
+          </a:prstGeom>
+        </p:spPr>
+      </p:pic>
+      <p:sp>
+        <p:nvSpPr>
+          <p:cNvPr id="5" name="직사각형 4">
+            <a:extLst>
+              <a:ext uri="{FF2B5EF4-FFF2-40B4-BE49-F238E27FC236}">
+                <a16:creationId xmlns:a16="http://schemas.microsoft.com/office/drawing/2014/main" id="{A39871E7-505A-1A46-A04B-C354A4A5E9AB}"/>
+              </a:ext>
+            </a:extLst>
+          </p:cNvPr>
+          <p:cNvSpPr/>
+          <p:nvPr/>
+        </p:nvSpPr>
+        <p:spPr>
+          <a:xfrm>
+            <a:off x="3119919" y="4652700"/>
+            <a:ext cx="7667946" cy="646331"/>
+          </a:xfrm>
+          <a:prstGeom prst="rect">
+            <a:avLst/>
+          </a:prstGeom>
+        </p:spPr>
+        <p:txBody>
+          <a:bodyPr wrap="square">
+            <a:spAutoFit/>
+          </a:bodyPr>
+          <a:lstStyle/>
+          <a:p>
+            <a:r>
+              <a:rPr lang="en" altLang="ko-Kore-KR" sz="1200" dirty="0">
+                <a:solidFill>
+                  <a:srgbClr val="000000"/>
+                </a:solidFill>
+                <a:latin typeface="Menlo" panose="020B0609030804020204" pitchFamily="49" charset="0"/>
+              </a:rPr>
+              <a:t>[{</a:t>
+            </a:r>
+            <a:r>
+              <a:rPr lang="en" altLang="ko-Kore-KR" sz="1200" dirty="0">
+                <a:solidFill>
+                  <a:srgbClr val="A31515"/>
+                </a:solidFill>
+                <a:latin typeface="Menlo" panose="020B0609030804020204" pitchFamily="49" charset="0"/>
+              </a:rPr>
+              <a:t>"model"</a:t>
+            </a:r>
+            <a:r>
+              <a:rPr lang="en" altLang="ko-Kore-KR" sz="1200" dirty="0">
+                <a:solidFill>
+                  <a:srgbClr val="000000"/>
+                </a:solidFill>
+                <a:latin typeface="Menlo" panose="020B0609030804020204" pitchFamily="49" charset="0"/>
+              </a:rPr>
+              <a:t>: </a:t>
+            </a:r>
+            <a:r>
+              <a:rPr lang="en" altLang="ko-Kore-KR" sz="1200" dirty="0">
+                <a:solidFill>
+                  <a:srgbClr val="0451A5"/>
+                </a:solidFill>
+                <a:latin typeface="Menlo" panose="020B0609030804020204" pitchFamily="49" charset="0"/>
+              </a:rPr>
+              <a:t>"</a:t>
+            </a:r>
+            <a:r>
+              <a:rPr lang="en" altLang="ko-Kore-KR" sz="1200" dirty="0" err="1">
+                <a:solidFill>
+                  <a:srgbClr val="0451A5"/>
+                </a:solidFill>
+                <a:latin typeface="Menlo" panose="020B0609030804020204" pitchFamily="49" charset="0"/>
+              </a:rPr>
+              <a:t>rest_api_test.employees</a:t>
+            </a:r>
+            <a:r>
+              <a:rPr lang="en" altLang="ko-Kore-KR" sz="1200" dirty="0">
+                <a:solidFill>
+                  <a:srgbClr val="0451A5"/>
+                </a:solidFill>
+                <a:latin typeface="Menlo" panose="020B0609030804020204" pitchFamily="49" charset="0"/>
+              </a:rPr>
+              <a:t>"</a:t>
+            </a:r>
+            <a:r>
+              <a:rPr lang="en" altLang="ko-Kore-KR" sz="1200" dirty="0">
+                <a:solidFill>
+                  <a:srgbClr val="000000"/>
+                </a:solidFill>
+                <a:latin typeface="Menlo" panose="020B0609030804020204" pitchFamily="49" charset="0"/>
+              </a:rPr>
+              <a:t>, </a:t>
+            </a:r>
+            <a:r>
+              <a:rPr lang="en" altLang="ko-Kore-KR" sz="1200" dirty="0">
+                <a:solidFill>
+                  <a:srgbClr val="A31515"/>
+                </a:solidFill>
+                <a:latin typeface="Menlo" panose="020B0609030804020204" pitchFamily="49" charset="0"/>
+              </a:rPr>
+              <a:t>"pk"</a:t>
+            </a:r>
+            <a:r>
+              <a:rPr lang="en" altLang="ko-Kore-KR" sz="1200" dirty="0">
+                <a:solidFill>
+                  <a:srgbClr val="000000"/>
+                </a:solidFill>
+                <a:latin typeface="Menlo" panose="020B0609030804020204" pitchFamily="49" charset="0"/>
+              </a:rPr>
+              <a:t>: </a:t>
+            </a:r>
+            <a:r>
+              <a:rPr lang="en" altLang="ko-Kore-KR" sz="1200" b="1" dirty="0">
+                <a:solidFill>
+                  <a:srgbClr val="0451A5"/>
+                </a:solidFill>
+                <a:latin typeface="Menlo" panose="020B0609030804020204" pitchFamily="49" charset="0"/>
+              </a:rPr>
+              <a:t>null</a:t>
+            </a:r>
+            <a:r>
+              <a:rPr lang="en" altLang="ko-Kore-KR" sz="1200" dirty="0">
+                <a:solidFill>
+                  <a:srgbClr val="000000"/>
+                </a:solidFill>
+                <a:latin typeface="Menlo" panose="020B0609030804020204" pitchFamily="49" charset="0"/>
+              </a:rPr>
+              <a:t>, </a:t>
+            </a:r>
+            <a:r>
+              <a:rPr lang="en" altLang="ko-Kore-KR" sz="1200" dirty="0">
+                <a:solidFill>
+                  <a:srgbClr val="A31515"/>
+                </a:solidFill>
+                <a:latin typeface="Menlo" panose="020B0609030804020204" pitchFamily="49" charset="0"/>
+              </a:rPr>
+              <a:t>"fields"</a:t>
+            </a:r>
+            <a:r>
+              <a:rPr lang="en" altLang="ko-Kore-KR" sz="1200" dirty="0">
+                <a:solidFill>
+                  <a:srgbClr val="000000"/>
+                </a:solidFill>
+                <a:latin typeface="Menlo" panose="020B0609030804020204" pitchFamily="49" charset="0"/>
+              </a:rPr>
+              <a:t>: {</a:t>
+            </a:r>
+            <a:r>
+              <a:rPr lang="en" altLang="ko-Kore-KR" sz="1200" dirty="0">
+                <a:solidFill>
+                  <a:srgbClr val="A31515"/>
+                </a:solidFill>
+                <a:latin typeface="Menlo" panose="020B0609030804020204" pitchFamily="49" charset="0"/>
+              </a:rPr>
+              <a:t>"employee_id"</a:t>
+            </a:r>
+            <a:r>
+              <a:rPr lang="en" altLang="ko-Kore-KR" sz="1200" dirty="0">
+                <a:solidFill>
+                  <a:srgbClr val="000000"/>
+                </a:solidFill>
+                <a:latin typeface="Menlo" panose="020B0609030804020204" pitchFamily="49" charset="0"/>
+              </a:rPr>
+              <a:t>:</a:t>
+            </a:r>
+            <a:r>
+              <a:rPr lang="en" altLang="ko-Kore-KR" sz="1200" dirty="0">
+                <a:solidFill>
+                  <a:srgbClr val="0451A5"/>
+                </a:solidFill>
+                <a:latin typeface="Menlo" panose="020B0609030804020204" pitchFamily="49" charset="0"/>
+              </a:rPr>
+              <a:t>"4"</a:t>
+            </a:r>
+            <a:r>
+              <a:rPr lang="en" altLang="ko-Kore-KR" sz="1200" dirty="0">
+                <a:solidFill>
+                  <a:srgbClr val="000000"/>
+                </a:solidFill>
+                <a:latin typeface="Menlo" panose="020B0609030804020204" pitchFamily="49" charset="0"/>
+              </a:rPr>
+              <a:t>,</a:t>
+            </a:r>
+            <a:r>
+              <a:rPr lang="en" altLang="ko-Kore-KR" sz="1200" dirty="0">
+                <a:solidFill>
+                  <a:srgbClr val="A31515"/>
+                </a:solidFill>
+                <a:latin typeface="Menlo" panose="020B0609030804020204" pitchFamily="49" charset="0"/>
+              </a:rPr>
+              <a:t>"first_name"</a:t>
+            </a:r>
+            <a:r>
+              <a:rPr lang="en" altLang="ko-Kore-KR" sz="1200" dirty="0">
+                <a:solidFill>
+                  <a:srgbClr val="000000"/>
+                </a:solidFill>
+                <a:latin typeface="Menlo" panose="020B0609030804020204" pitchFamily="49" charset="0"/>
+              </a:rPr>
+              <a:t>: </a:t>
+            </a:r>
+            <a:r>
+              <a:rPr lang="en" altLang="ko-Kore-KR" sz="1200" dirty="0">
+                <a:solidFill>
+                  <a:srgbClr val="0451A5"/>
+                </a:solidFill>
+                <a:latin typeface="Menlo" panose="020B0609030804020204" pitchFamily="49" charset="0"/>
+              </a:rPr>
+              <a:t>"</a:t>
+            </a:r>
+            <a:r>
+              <a:rPr lang="ko-KR" altLang="en-US" sz="1200" dirty="0">
+                <a:solidFill>
+                  <a:srgbClr val="0451A5"/>
+                </a:solidFill>
+                <a:latin typeface="Menlo" panose="020B0609030804020204" pitchFamily="49" charset="0"/>
+              </a:rPr>
+              <a:t>길동</a:t>
+            </a:r>
+            <a:r>
+              <a:rPr lang="en-US" altLang="ko-KR" sz="1200" dirty="0">
+                <a:solidFill>
+                  <a:srgbClr val="0451A5"/>
+                </a:solidFill>
+                <a:latin typeface="Menlo" panose="020B0609030804020204" pitchFamily="49" charset="0"/>
+              </a:rPr>
+              <a:t>"</a:t>
+            </a:r>
+            <a:r>
+              <a:rPr lang="en-US" altLang="ko-KR" sz="1200" dirty="0">
+                <a:solidFill>
+                  <a:srgbClr val="000000"/>
+                </a:solidFill>
+                <a:latin typeface="Menlo" panose="020B0609030804020204" pitchFamily="49" charset="0"/>
+              </a:rPr>
+              <a:t>, </a:t>
+            </a:r>
+            <a:r>
+              <a:rPr lang="en-US" altLang="ko-KR" sz="1200" dirty="0">
+                <a:solidFill>
+                  <a:srgbClr val="A31515"/>
+                </a:solidFill>
+                <a:latin typeface="Menlo" panose="020B0609030804020204" pitchFamily="49" charset="0"/>
+              </a:rPr>
+              <a:t>"</a:t>
+            </a:r>
+            <a:r>
+              <a:rPr lang="en" altLang="ko-Kore-KR" sz="1200" dirty="0" err="1">
+                <a:solidFill>
+                  <a:srgbClr val="A31515"/>
+                </a:solidFill>
+                <a:latin typeface="Menlo" panose="020B0609030804020204" pitchFamily="49" charset="0"/>
+              </a:rPr>
+              <a:t>last_name</a:t>
+            </a:r>
+            <a:r>
+              <a:rPr lang="en" altLang="ko-Kore-KR" sz="1200" dirty="0">
+                <a:solidFill>
+                  <a:srgbClr val="A31515"/>
+                </a:solidFill>
+                <a:latin typeface="Menlo" panose="020B0609030804020204" pitchFamily="49" charset="0"/>
+              </a:rPr>
+              <a:t>"</a:t>
+            </a:r>
+            <a:r>
+              <a:rPr lang="en" altLang="ko-Kore-KR" sz="1200" dirty="0">
+                <a:solidFill>
+                  <a:srgbClr val="000000"/>
+                </a:solidFill>
+                <a:latin typeface="Menlo" panose="020B0609030804020204" pitchFamily="49" charset="0"/>
+              </a:rPr>
+              <a:t>: </a:t>
+            </a:r>
+            <a:r>
+              <a:rPr lang="en" altLang="ko-Kore-KR" sz="1200" dirty="0">
+                <a:solidFill>
+                  <a:srgbClr val="0451A5"/>
+                </a:solidFill>
+                <a:latin typeface="Menlo" panose="020B0609030804020204" pitchFamily="49" charset="0"/>
+              </a:rPr>
+              <a:t>"</a:t>
+            </a:r>
+            <a:r>
+              <a:rPr lang="ko-KR" altLang="en-US" sz="1200" dirty="0">
+                <a:solidFill>
+                  <a:srgbClr val="0451A5"/>
+                </a:solidFill>
+                <a:latin typeface="Menlo" panose="020B0609030804020204" pitchFamily="49" charset="0"/>
+              </a:rPr>
+              <a:t>홍</a:t>
+            </a:r>
+            <a:r>
+              <a:rPr lang="en-US" altLang="ko-KR" sz="1200" dirty="0">
+                <a:solidFill>
+                  <a:srgbClr val="0451A5"/>
+                </a:solidFill>
+                <a:latin typeface="Menlo" panose="020B0609030804020204" pitchFamily="49" charset="0"/>
+              </a:rPr>
+              <a:t>"</a:t>
+            </a:r>
+            <a:r>
+              <a:rPr lang="en-US" altLang="ko-KR" sz="1200" dirty="0">
+                <a:solidFill>
+                  <a:srgbClr val="000000"/>
+                </a:solidFill>
+                <a:latin typeface="Menlo" panose="020B0609030804020204" pitchFamily="49" charset="0"/>
+              </a:rPr>
+              <a:t>, </a:t>
+            </a:r>
+            <a:r>
+              <a:rPr lang="en-US" altLang="ko-KR" sz="1200" dirty="0">
+                <a:solidFill>
+                  <a:srgbClr val="A31515"/>
+                </a:solidFill>
+                <a:latin typeface="Menlo" panose="020B0609030804020204" pitchFamily="49" charset="0"/>
+              </a:rPr>
+              <a:t>"</a:t>
+            </a:r>
+            <a:r>
+              <a:rPr lang="en" altLang="ko-Kore-KR" sz="1200" dirty="0">
+                <a:solidFill>
+                  <a:srgbClr val="A31515"/>
+                </a:solidFill>
+                <a:latin typeface="Menlo" panose="020B0609030804020204" pitchFamily="49" charset="0"/>
+              </a:rPr>
+              <a:t>email"</a:t>
+            </a:r>
+            <a:r>
+              <a:rPr lang="en" altLang="ko-Kore-KR" sz="1200" dirty="0">
+                <a:solidFill>
+                  <a:srgbClr val="000000"/>
+                </a:solidFill>
+                <a:latin typeface="Menlo" panose="020B0609030804020204" pitchFamily="49" charset="0"/>
+              </a:rPr>
+              <a:t>:</a:t>
+            </a:r>
+          </a:p>
+          <a:p>
+            <a:r>
+              <a:rPr lang="en" altLang="ko-Kore-KR" sz="1200" dirty="0">
+                <a:solidFill>
+                  <a:srgbClr val="0451A5"/>
+                </a:solidFill>
+                <a:latin typeface="Menlo" panose="020B0609030804020204" pitchFamily="49" charset="0"/>
+              </a:rPr>
+              <a:t>"</a:t>
+            </a:r>
+            <a:r>
+              <a:rPr lang="en" altLang="ko-Kore-KR" sz="1200" dirty="0" err="1">
+                <a:solidFill>
+                  <a:srgbClr val="0451A5"/>
+                </a:solidFill>
+                <a:latin typeface="Menlo" panose="020B0609030804020204" pitchFamily="49" charset="0"/>
+              </a:rPr>
+              <a:t>gdskim@gmail.com</a:t>
+            </a:r>
+            <a:r>
+              <a:rPr lang="en" altLang="ko-Kore-KR" sz="1200" dirty="0">
+                <a:solidFill>
+                  <a:srgbClr val="0451A5"/>
+                </a:solidFill>
+                <a:latin typeface="Menlo" panose="020B0609030804020204" pitchFamily="49" charset="0"/>
+              </a:rPr>
+              <a:t>"</a:t>
+            </a:r>
+            <a:r>
+              <a:rPr lang="en" altLang="ko-Kore-KR" sz="1200" dirty="0">
+                <a:solidFill>
+                  <a:srgbClr val="000000"/>
+                </a:solidFill>
+                <a:latin typeface="Menlo" panose="020B0609030804020204" pitchFamily="49" charset="0"/>
+              </a:rPr>
+              <a:t>}}]</a:t>
+            </a:r>
+            <a:endParaRPr lang="en" altLang="ko-Kore-KR" sz="1200" b="0" dirty="0">
+              <a:solidFill>
+                <a:srgbClr val="000000"/>
+              </a:solidFill>
+              <a:effectLst/>
+              <a:latin typeface="Menlo" panose="020B0609030804020204" pitchFamily="49" charset="0"/>
+            </a:endParaRPr>
+          </a:p>
+        </p:txBody>
+      </p:sp>
+    </p:spTree>
+    <p:extLst>
+      <p:ext uri="{BB962C8B-B14F-4D97-AF65-F5344CB8AC3E}">
+        <p14:creationId xmlns:p14="http://schemas.microsoft.com/office/powerpoint/2010/main" val="1393122753"/>
+      </p:ext>
+    </p:extLst>
+  </p:cSld>
+  <p:clrMapOvr>
+    <a:masterClrMapping/>
+  </p:clrMapOvr>
+</p:sld>
+</file>
+
 <file path=ppt/theme/theme1.xml><?xml version="1.0" encoding="utf-8"?>
 <a:theme xmlns:a="http://schemas.openxmlformats.org/drawingml/2006/main" name="Office 테마">
   <a:themeElements>

--- a/django oracle 연동.pptx
+++ b/django oracle 연동.pptx
@@ -15,7 +15,7 @@
   <p:notesSz cx="6858000" cy="9144000"/>
   <p:defaultTextStyle>
     <a:defPPr>
-      <a:defRPr lang="ko-Kore-KR"/>
+      <a:defRPr lang="x-none"/>
     </a:defPPr>
     <a:lvl1pPr marL="0" algn="l" defTabSz="914400" rtl="0" eaLnBrk="1" latinLnBrk="0" hangingPunct="1">
       <a:defRPr sz="1800" kern="1200">
@@ -138,7 +138,7 @@
           <p:cNvPr id="2" name="제목 1">
             <a:extLst>
               <a:ext uri="{FF2B5EF4-FFF2-40B4-BE49-F238E27FC236}">
-                <a16:creationId xmlns:a16="http://schemas.microsoft.com/office/drawing/2014/main" id="{BDC28E64-79C6-9841-87C2-682809C9D6E7}"/>
+                <a16:creationId xmlns:a16="http://schemas.microsoft.com/office/drawing/2014/main" xmlns="" id="{BDC28E64-79C6-9841-87C2-682809C9D6E7}"/>
               </a:ext>
             </a:extLst>
           </p:cNvPr>
@@ -167,7 +167,7 @@
               <a:rPr kumimoji="1" lang="ko-KR" altLang="en-US"/>
               <a:t>마스터 제목 스타일 편집</a:t>
             </a:r>
-            <a:endParaRPr kumimoji="1" lang="ko-Kore-KR" altLang="en-US"/>
+            <a:endParaRPr kumimoji="1" lang="x-none" altLang="en-US"/>
           </a:p>
         </p:txBody>
       </p:sp>
@@ -176,7 +176,7 @@
           <p:cNvPr id="3" name="부제목 2">
             <a:extLst>
               <a:ext uri="{FF2B5EF4-FFF2-40B4-BE49-F238E27FC236}">
-                <a16:creationId xmlns:a16="http://schemas.microsoft.com/office/drawing/2014/main" id="{11989B5D-21FE-E447-AB2C-450A57976EDB}"/>
+                <a16:creationId xmlns:a16="http://schemas.microsoft.com/office/drawing/2014/main" xmlns="" id="{11989B5D-21FE-E447-AB2C-450A57976EDB}"/>
               </a:ext>
             </a:extLst>
           </p:cNvPr>
@@ -238,7 +238,7 @@
               <a:rPr kumimoji="1" lang="ko-KR" altLang="en-US"/>
               <a:t>클릭하여 마스터 부제목 스타일 편집</a:t>
             </a:r>
-            <a:endParaRPr kumimoji="1" lang="ko-Kore-KR" altLang="en-US"/>
+            <a:endParaRPr kumimoji="1" lang="x-none" altLang="en-US"/>
           </a:p>
         </p:txBody>
       </p:sp>
@@ -247,7 +247,7 @@
           <p:cNvPr id="4" name="날짜 개체 틀 3">
             <a:extLst>
               <a:ext uri="{FF2B5EF4-FFF2-40B4-BE49-F238E27FC236}">
-                <a16:creationId xmlns:a16="http://schemas.microsoft.com/office/drawing/2014/main" id="{5D083431-F75E-FE42-A7E9-6C8A37391A8C}"/>
+                <a16:creationId xmlns:a16="http://schemas.microsoft.com/office/drawing/2014/main" xmlns="" id="{5D083431-F75E-FE42-A7E9-6C8A37391A8C}"/>
               </a:ext>
             </a:extLst>
           </p:cNvPr>
@@ -264,10 +264,10 @@
           <a:lstStyle/>
           <a:p>
             <a:fld id="{75150791-87F9-2140-9996-BBE4230B4334}" type="datetimeFigureOut">
-              <a:rPr kumimoji="1" lang="ko-Kore-KR" altLang="en-US" smtClean="0"/>
-              <a:t>2020. 12. 4.</a:t>
+              <a:rPr kumimoji="1" lang="x-none" altLang="en-US" smtClean="0"/>
+              <a:t>2020-12-04</a:t>
             </a:fld>
-            <a:endParaRPr kumimoji="1" lang="ko-Kore-KR" altLang="en-US"/>
+            <a:endParaRPr kumimoji="1" lang="x-none" altLang="en-US"/>
           </a:p>
         </p:txBody>
       </p:sp>
@@ -276,7 +276,7 @@
           <p:cNvPr id="5" name="바닥글 개체 틀 4">
             <a:extLst>
               <a:ext uri="{FF2B5EF4-FFF2-40B4-BE49-F238E27FC236}">
-                <a16:creationId xmlns:a16="http://schemas.microsoft.com/office/drawing/2014/main" id="{4D19AF32-E03A-EE47-9CAA-171E7A1C959B}"/>
+                <a16:creationId xmlns:a16="http://schemas.microsoft.com/office/drawing/2014/main" xmlns="" id="{4D19AF32-E03A-EE47-9CAA-171E7A1C959B}"/>
               </a:ext>
             </a:extLst>
           </p:cNvPr>
@@ -292,7 +292,7 @@
           <a:bodyPr/>
           <a:lstStyle/>
           <a:p>
-            <a:endParaRPr kumimoji="1" lang="ko-Kore-KR" altLang="en-US"/>
+            <a:endParaRPr kumimoji="1" lang="x-none" altLang="en-US"/>
           </a:p>
         </p:txBody>
       </p:sp>
@@ -301,7 +301,7 @@
           <p:cNvPr id="6" name="슬라이드 번호 개체 틀 5">
             <a:extLst>
               <a:ext uri="{FF2B5EF4-FFF2-40B4-BE49-F238E27FC236}">
-                <a16:creationId xmlns:a16="http://schemas.microsoft.com/office/drawing/2014/main" id="{438A8F48-50C1-2E42-8B91-1F36E654C0B8}"/>
+                <a16:creationId xmlns:a16="http://schemas.microsoft.com/office/drawing/2014/main" xmlns="" id="{438A8F48-50C1-2E42-8B91-1F36E654C0B8}"/>
               </a:ext>
             </a:extLst>
           </p:cNvPr>
@@ -318,10 +318,10 @@
           <a:lstStyle/>
           <a:p>
             <a:fld id="{C0B52768-5BFE-8B43-B0D1-86CF4AD362F8}" type="slidenum">
-              <a:rPr kumimoji="1" lang="ko-Kore-KR" altLang="en-US" smtClean="0"/>
+              <a:rPr kumimoji="1" lang="x-none" altLang="en-US" smtClean="0"/>
               <a:t>‹#›</a:t>
             </a:fld>
-            <a:endParaRPr kumimoji="1" lang="ko-Kore-KR" altLang="en-US"/>
+            <a:endParaRPr kumimoji="1" lang="x-none" altLang="en-US"/>
           </a:p>
         </p:txBody>
       </p:sp>
@@ -360,7 +360,7 @@
           <p:cNvPr id="2" name="제목 1">
             <a:extLst>
               <a:ext uri="{FF2B5EF4-FFF2-40B4-BE49-F238E27FC236}">
-                <a16:creationId xmlns:a16="http://schemas.microsoft.com/office/drawing/2014/main" id="{62CA2432-D0CD-E348-9A2F-E0D5F31F3CC7}"/>
+                <a16:creationId xmlns:a16="http://schemas.microsoft.com/office/drawing/2014/main" xmlns="" id="{62CA2432-D0CD-E348-9A2F-E0D5F31F3CC7}"/>
               </a:ext>
             </a:extLst>
           </p:cNvPr>
@@ -380,7 +380,7 @@
               <a:rPr kumimoji="1" lang="ko-KR" altLang="en-US"/>
               <a:t>마스터 제목 스타일 편집</a:t>
             </a:r>
-            <a:endParaRPr kumimoji="1" lang="ko-Kore-KR" altLang="en-US"/>
+            <a:endParaRPr kumimoji="1" lang="x-none" altLang="en-US"/>
           </a:p>
         </p:txBody>
       </p:sp>
@@ -389,7 +389,7 @@
           <p:cNvPr id="3" name="세로 텍스트 개체 틀 2">
             <a:extLst>
               <a:ext uri="{FF2B5EF4-FFF2-40B4-BE49-F238E27FC236}">
-                <a16:creationId xmlns:a16="http://schemas.microsoft.com/office/drawing/2014/main" id="{139E7AC1-4881-C14F-A5DB-E8ADC23AE0E3}"/>
+                <a16:creationId xmlns:a16="http://schemas.microsoft.com/office/drawing/2014/main" xmlns="" id="{139E7AC1-4881-C14F-A5DB-E8ADC23AE0E3}"/>
               </a:ext>
             </a:extLst>
           </p:cNvPr>
@@ -438,7 +438,7 @@
               <a:rPr kumimoji="1" lang="ko-KR" altLang="en-US"/>
               <a:t>다섯 번째 수준</a:t>
             </a:r>
-            <a:endParaRPr kumimoji="1" lang="ko-Kore-KR" altLang="en-US"/>
+            <a:endParaRPr kumimoji="1" lang="x-none" altLang="en-US"/>
           </a:p>
         </p:txBody>
       </p:sp>
@@ -447,7 +447,7 @@
           <p:cNvPr id="4" name="날짜 개체 틀 3">
             <a:extLst>
               <a:ext uri="{FF2B5EF4-FFF2-40B4-BE49-F238E27FC236}">
-                <a16:creationId xmlns:a16="http://schemas.microsoft.com/office/drawing/2014/main" id="{2F20B49A-4E4E-004A-8BF9-9A650DF6A758}"/>
+                <a16:creationId xmlns:a16="http://schemas.microsoft.com/office/drawing/2014/main" xmlns="" id="{2F20B49A-4E4E-004A-8BF9-9A650DF6A758}"/>
               </a:ext>
             </a:extLst>
           </p:cNvPr>
@@ -464,10 +464,10 @@
           <a:lstStyle/>
           <a:p>
             <a:fld id="{75150791-87F9-2140-9996-BBE4230B4334}" type="datetimeFigureOut">
-              <a:rPr kumimoji="1" lang="ko-Kore-KR" altLang="en-US" smtClean="0"/>
-              <a:t>2020. 12. 4.</a:t>
+              <a:rPr kumimoji="1" lang="x-none" altLang="en-US" smtClean="0"/>
+              <a:t>2020-12-04</a:t>
             </a:fld>
-            <a:endParaRPr kumimoji="1" lang="ko-Kore-KR" altLang="en-US"/>
+            <a:endParaRPr kumimoji="1" lang="x-none" altLang="en-US"/>
           </a:p>
         </p:txBody>
       </p:sp>
@@ -476,7 +476,7 @@
           <p:cNvPr id="5" name="바닥글 개체 틀 4">
             <a:extLst>
               <a:ext uri="{FF2B5EF4-FFF2-40B4-BE49-F238E27FC236}">
-                <a16:creationId xmlns:a16="http://schemas.microsoft.com/office/drawing/2014/main" id="{29C85623-10DF-5E4E-8E83-29262D25286B}"/>
+                <a16:creationId xmlns:a16="http://schemas.microsoft.com/office/drawing/2014/main" xmlns="" id="{29C85623-10DF-5E4E-8E83-29262D25286B}"/>
               </a:ext>
             </a:extLst>
           </p:cNvPr>
@@ -492,7 +492,7 @@
           <a:bodyPr/>
           <a:lstStyle/>
           <a:p>
-            <a:endParaRPr kumimoji="1" lang="ko-Kore-KR" altLang="en-US"/>
+            <a:endParaRPr kumimoji="1" lang="x-none" altLang="en-US"/>
           </a:p>
         </p:txBody>
       </p:sp>
@@ -501,7 +501,7 @@
           <p:cNvPr id="6" name="슬라이드 번호 개체 틀 5">
             <a:extLst>
               <a:ext uri="{FF2B5EF4-FFF2-40B4-BE49-F238E27FC236}">
-                <a16:creationId xmlns:a16="http://schemas.microsoft.com/office/drawing/2014/main" id="{BEEA2B36-62EE-0343-9BDC-898ABDABE2B0}"/>
+                <a16:creationId xmlns:a16="http://schemas.microsoft.com/office/drawing/2014/main" xmlns="" id="{BEEA2B36-62EE-0343-9BDC-898ABDABE2B0}"/>
               </a:ext>
             </a:extLst>
           </p:cNvPr>
@@ -518,10 +518,10 @@
           <a:lstStyle/>
           <a:p>
             <a:fld id="{C0B52768-5BFE-8B43-B0D1-86CF4AD362F8}" type="slidenum">
-              <a:rPr kumimoji="1" lang="ko-Kore-KR" altLang="en-US" smtClean="0"/>
+              <a:rPr kumimoji="1" lang="x-none" altLang="en-US" smtClean="0"/>
               <a:t>‹#›</a:t>
             </a:fld>
-            <a:endParaRPr kumimoji="1" lang="ko-Kore-KR" altLang="en-US"/>
+            <a:endParaRPr kumimoji="1" lang="x-none" altLang="en-US"/>
           </a:p>
         </p:txBody>
       </p:sp>
@@ -560,7 +560,7 @@
           <p:cNvPr id="2" name="세로 제목 1">
             <a:extLst>
               <a:ext uri="{FF2B5EF4-FFF2-40B4-BE49-F238E27FC236}">
-                <a16:creationId xmlns:a16="http://schemas.microsoft.com/office/drawing/2014/main" id="{158D17F7-FB2E-FD43-919C-9B4FED0BE90A}"/>
+                <a16:creationId xmlns:a16="http://schemas.microsoft.com/office/drawing/2014/main" xmlns="" id="{158D17F7-FB2E-FD43-919C-9B4FED0BE90A}"/>
               </a:ext>
             </a:extLst>
           </p:cNvPr>
@@ -585,7 +585,7 @@
               <a:rPr kumimoji="1" lang="ko-KR" altLang="en-US"/>
               <a:t>마스터 제목 스타일 편집</a:t>
             </a:r>
-            <a:endParaRPr kumimoji="1" lang="ko-Kore-KR" altLang="en-US"/>
+            <a:endParaRPr kumimoji="1" lang="x-none" altLang="en-US"/>
           </a:p>
         </p:txBody>
       </p:sp>
@@ -594,7 +594,7 @@
           <p:cNvPr id="3" name="세로 텍스트 개체 틀 2">
             <a:extLst>
               <a:ext uri="{FF2B5EF4-FFF2-40B4-BE49-F238E27FC236}">
-                <a16:creationId xmlns:a16="http://schemas.microsoft.com/office/drawing/2014/main" id="{FA34E0E8-C994-F84E-82BF-84CCB99F8893}"/>
+                <a16:creationId xmlns:a16="http://schemas.microsoft.com/office/drawing/2014/main" xmlns="" id="{FA34E0E8-C994-F84E-82BF-84CCB99F8893}"/>
               </a:ext>
             </a:extLst>
           </p:cNvPr>
@@ -648,7 +648,7 @@
               <a:rPr kumimoji="1" lang="ko-KR" altLang="en-US"/>
               <a:t>다섯 번째 수준</a:t>
             </a:r>
-            <a:endParaRPr kumimoji="1" lang="ko-Kore-KR" altLang="en-US"/>
+            <a:endParaRPr kumimoji="1" lang="x-none" altLang="en-US"/>
           </a:p>
         </p:txBody>
       </p:sp>
@@ -657,7 +657,7 @@
           <p:cNvPr id="4" name="날짜 개체 틀 3">
             <a:extLst>
               <a:ext uri="{FF2B5EF4-FFF2-40B4-BE49-F238E27FC236}">
-                <a16:creationId xmlns:a16="http://schemas.microsoft.com/office/drawing/2014/main" id="{800FCFD6-7F08-AC4A-BC18-1E8651961DD7}"/>
+                <a16:creationId xmlns:a16="http://schemas.microsoft.com/office/drawing/2014/main" xmlns="" id="{800FCFD6-7F08-AC4A-BC18-1E8651961DD7}"/>
               </a:ext>
             </a:extLst>
           </p:cNvPr>
@@ -674,10 +674,10 @@
           <a:lstStyle/>
           <a:p>
             <a:fld id="{75150791-87F9-2140-9996-BBE4230B4334}" type="datetimeFigureOut">
-              <a:rPr kumimoji="1" lang="ko-Kore-KR" altLang="en-US" smtClean="0"/>
-              <a:t>2020. 12. 4.</a:t>
+              <a:rPr kumimoji="1" lang="x-none" altLang="en-US" smtClean="0"/>
+              <a:t>2020-12-04</a:t>
             </a:fld>
-            <a:endParaRPr kumimoji="1" lang="ko-Kore-KR" altLang="en-US"/>
+            <a:endParaRPr kumimoji="1" lang="x-none" altLang="en-US"/>
           </a:p>
         </p:txBody>
       </p:sp>
@@ -686,7 +686,7 @@
           <p:cNvPr id="5" name="바닥글 개체 틀 4">
             <a:extLst>
               <a:ext uri="{FF2B5EF4-FFF2-40B4-BE49-F238E27FC236}">
-                <a16:creationId xmlns:a16="http://schemas.microsoft.com/office/drawing/2014/main" id="{BF1AC748-B029-DA4A-8FD8-0A3945ACC418}"/>
+                <a16:creationId xmlns:a16="http://schemas.microsoft.com/office/drawing/2014/main" xmlns="" id="{BF1AC748-B029-DA4A-8FD8-0A3945ACC418}"/>
               </a:ext>
             </a:extLst>
           </p:cNvPr>
@@ -702,7 +702,7 @@
           <a:bodyPr/>
           <a:lstStyle/>
           <a:p>
-            <a:endParaRPr kumimoji="1" lang="ko-Kore-KR" altLang="en-US"/>
+            <a:endParaRPr kumimoji="1" lang="x-none" altLang="en-US"/>
           </a:p>
         </p:txBody>
       </p:sp>
@@ -711,7 +711,7 @@
           <p:cNvPr id="6" name="슬라이드 번호 개체 틀 5">
             <a:extLst>
               <a:ext uri="{FF2B5EF4-FFF2-40B4-BE49-F238E27FC236}">
-                <a16:creationId xmlns:a16="http://schemas.microsoft.com/office/drawing/2014/main" id="{4E056E83-ED76-634F-B621-D539A50E058E}"/>
+                <a16:creationId xmlns:a16="http://schemas.microsoft.com/office/drawing/2014/main" xmlns="" id="{4E056E83-ED76-634F-B621-D539A50E058E}"/>
               </a:ext>
             </a:extLst>
           </p:cNvPr>
@@ -728,10 +728,10 @@
           <a:lstStyle/>
           <a:p>
             <a:fld id="{C0B52768-5BFE-8B43-B0D1-86CF4AD362F8}" type="slidenum">
-              <a:rPr kumimoji="1" lang="ko-Kore-KR" altLang="en-US" smtClean="0"/>
+              <a:rPr kumimoji="1" lang="x-none" altLang="en-US" smtClean="0"/>
               <a:t>‹#›</a:t>
             </a:fld>
-            <a:endParaRPr kumimoji="1" lang="ko-Kore-KR" altLang="en-US"/>
+            <a:endParaRPr kumimoji="1" lang="x-none" altLang="en-US"/>
           </a:p>
         </p:txBody>
       </p:sp>
@@ -770,7 +770,7 @@
           <p:cNvPr id="2" name="제목 1">
             <a:extLst>
               <a:ext uri="{FF2B5EF4-FFF2-40B4-BE49-F238E27FC236}">
-                <a16:creationId xmlns:a16="http://schemas.microsoft.com/office/drawing/2014/main" id="{E54772B6-D4CE-3E42-A28C-A66202345C42}"/>
+                <a16:creationId xmlns:a16="http://schemas.microsoft.com/office/drawing/2014/main" xmlns="" id="{E54772B6-D4CE-3E42-A28C-A66202345C42}"/>
               </a:ext>
             </a:extLst>
           </p:cNvPr>
@@ -790,7 +790,7 @@
               <a:rPr kumimoji="1" lang="ko-KR" altLang="en-US"/>
               <a:t>마스터 제목 스타일 편집</a:t>
             </a:r>
-            <a:endParaRPr kumimoji="1" lang="ko-Kore-KR" altLang="en-US"/>
+            <a:endParaRPr kumimoji="1" lang="x-none" altLang="en-US"/>
           </a:p>
         </p:txBody>
       </p:sp>
@@ -799,7 +799,7 @@
           <p:cNvPr id="3" name="내용 개체 틀 2">
             <a:extLst>
               <a:ext uri="{FF2B5EF4-FFF2-40B4-BE49-F238E27FC236}">
-                <a16:creationId xmlns:a16="http://schemas.microsoft.com/office/drawing/2014/main" id="{A0BD29A7-3F87-3741-AAE4-C2070850CE9A}"/>
+                <a16:creationId xmlns:a16="http://schemas.microsoft.com/office/drawing/2014/main" xmlns="" id="{A0BD29A7-3F87-3741-AAE4-C2070850CE9A}"/>
               </a:ext>
             </a:extLst>
           </p:cNvPr>
@@ -848,7 +848,7 @@
               <a:rPr kumimoji="1" lang="ko-KR" altLang="en-US"/>
               <a:t>다섯 번째 수준</a:t>
             </a:r>
-            <a:endParaRPr kumimoji="1" lang="ko-Kore-KR" altLang="en-US"/>
+            <a:endParaRPr kumimoji="1" lang="x-none" altLang="en-US"/>
           </a:p>
         </p:txBody>
       </p:sp>
@@ -857,7 +857,7 @@
           <p:cNvPr id="4" name="날짜 개체 틀 3">
             <a:extLst>
               <a:ext uri="{FF2B5EF4-FFF2-40B4-BE49-F238E27FC236}">
-                <a16:creationId xmlns:a16="http://schemas.microsoft.com/office/drawing/2014/main" id="{714D048B-93EF-C047-BD3B-CAF659532D84}"/>
+                <a16:creationId xmlns:a16="http://schemas.microsoft.com/office/drawing/2014/main" xmlns="" id="{714D048B-93EF-C047-BD3B-CAF659532D84}"/>
               </a:ext>
             </a:extLst>
           </p:cNvPr>
@@ -874,10 +874,10 @@
           <a:lstStyle/>
           <a:p>
             <a:fld id="{75150791-87F9-2140-9996-BBE4230B4334}" type="datetimeFigureOut">
-              <a:rPr kumimoji="1" lang="ko-Kore-KR" altLang="en-US" smtClean="0"/>
-              <a:t>2020. 12. 4.</a:t>
+              <a:rPr kumimoji="1" lang="x-none" altLang="en-US" smtClean="0"/>
+              <a:t>2020-12-04</a:t>
             </a:fld>
-            <a:endParaRPr kumimoji="1" lang="ko-Kore-KR" altLang="en-US"/>
+            <a:endParaRPr kumimoji="1" lang="x-none" altLang="en-US"/>
           </a:p>
         </p:txBody>
       </p:sp>
@@ -886,7 +886,7 @@
           <p:cNvPr id="5" name="바닥글 개체 틀 4">
             <a:extLst>
               <a:ext uri="{FF2B5EF4-FFF2-40B4-BE49-F238E27FC236}">
-                <a16:creationId xmlns:a16="http://schemas.microsoft.com/office/drawing/2014/main" id="{140BC338-DEFE-7F47-B078-3D8044205CCD}"/>
+                <a16:creationId xmlns:a16="http://schemas.microsoft.com/office/drawing/2014/main" xmlns="" id="{140BC338-DEFE-7F47-B078-3D8044205CCD}"/>
               </a:ext>
             </a:extLst>
           </p:cNvPr>
@@ -902,7 +902,7 @@
           <a:bodyPr/>
           <a:lstStyle/>
           <a:p>
-            <a:endParaRPr kumimoji="1" lang="ko-Kore-KR" altLang="en-US"/>
+            <a:endParaRPr kumimoji="1" lang="x-none" altLang="en-US"/>
           </a:p>
         </p:txBody>
       </p:sp>
@@ -911,7 +911,7 @@
           <p:cNvPr id="6" name="슬라이드 번호 개체 틀 5">
             <a:extLst>
               <a:ext uri="{FF2B5EF4-FFF2-40B4-BE49-F238E27FC236}">
-                <a16:creationId xmlns:a16="http://schemas.microsoft.com/office/drawing/2014/main" id="{67F1EB6C-82F1-4448-820E-F044EA49016A}"/>
+                <a16:creationId xmlns:a16="http://schemas.microsoft.com/office/drawing/2014/main" xmlns="" id="{67F1EB6C-82F1-4448-820E-F044EA49016A}"/>
               </a:ext>
             </a:extLst>
           </p:cNvPr>
@@ -928,10 +928,10 @@
           <a:lstStyle/>
           <a:p>
             <a:fld id="{C0B52768-5BFE-8B43-B0D1-86CF4AD362F8}" type="slidenum">
-              <a:rPr kumimoji="1" lang="ko-Kore-KR" altLang="en-US" smtClean="0"/>
+              <a:rPr kumimoji="1" lang="x-none" altLang="en-US" smtClean="0"/>
               <a:t>‹#›</a:t>
             </a:fld>
-            <a:endParaRPr kumimoji="1" lang="ko-Kore-KR" altLang="en-US"/>
+            <a:endParaRPr kumimoji="1" lang="x-none" altLang="en-US"/>
           </a:p>
         </p:txBody>
       </p:sp>
@@ -970,7 +970,7 @@
           <p:cNvPr id="2" name="제목 1">
             <a:extLst>
               <a:ext uri="{FF2B5EF4-FFF2-40B4-BE49-F238E27FC236}">
-                <a16:creationId xmlns:a16="http://schemas.microsoft.com/office/drawing/2014/main" id="{AC9DF0D9-9FEA-3246-97A2-2AAD2647FD13}"/>
+                <a16:creationId xmlns:a16="http://schemas.microsoft.com/office/drawing/2014/main" xmlns="" id="{AC9DF0D9-9FEA-3246-97A2-2AAD2647FD13}"/>
               </a:ext>
             </a:extLst>
           </p:cNvPr>
@@ -999,7 +999,7 @@
               <a:rPr kumimoji="1" lang="ko-KR" altLang="en-US"/>
               <a:t>마스터 제목 스타일 편집</a:t>
             </a:r>
-            <a:endParaRPr kumimoji="1" lang="ko-Kore-KR" altLang="en-US"/>
+            <a:endParaRPr kumimoji="1" lang="x-none" altLang="en-US"/>
           </a:p>
         </p:txBody>
       </p:sp>
@@ -1008,7 +1008,7 @@
           <p:cNvPr id="3" name="텍스트 개체 틀 2">
             <a:extLst>
               <a:ext uri="{FF2B5EF4-FFF2-40B4-BE49-F238E27FC236}">
-                <a16:creationId xmlns:a16="http://schemas.microsoft.com/office/drawing/2014/main" id="{A42E3258-5604-A941-AD0A-B4775C5213F8}"/>
+                <a16:creationId xmlns:a16="http://schemas.microsoft.com/office/drawing/2014/main" xmlns="" id="{A42E3258-5604-A941-AD0A-B4775C5213F8}"/>
               </a:ext>
             </a:extLst>
           </p:cNvPr>
@@ -1133,7 +1133,7 @@
           <p:cNvPr id="4" name="날짜 개체 틀 3">
             <a:extLst>
               <a:ext uri="{FF2B5EF4-FFF2-40B4-BE49-F238E27FC236}">
-                <a16:creationId xmlns:a16="http://schemas.microsoft.com/office/drawing/2014/main" id="{3082ECD4-A9D9-A842-A029-63D4C3B2A3AB}"/>
+                <a16:creationId xmlns:a16="http://schemas.microsoft.com/office/drawing/2014/main" xmlns="" id="{3082ECD4-A9D9-A842-A029-63D4C3B2A3AB}"/>
               </a:ext>
             </a:extLst>
           </p:cNvPr>
@@ -1150,10 +1150,10 @@
           <a:lstStyle/>
           <a:p>
             <a:fld id="{75150791-87F9-2140-9996-BBE4230B4334}" type="datetimeFigureOut">
-              <a:rPr kumimoji="1" lang="ko-Kore-KR" altLang="en-US" smtClean="0"/>
-              <a:t>2020. 12. 4.</a:t>
+              <a:rPr kumimoji="1" lang="x-none" altLang="en-US" smtClean="0"/>
+              <a:t>2020-12-04</a:t>
             </a:fld>
-            <a:endParaRPr kumimoji="1" lang="ko-Kore-KR" altLang="en-US"/>
+            <a:endParaRPr kumimoji="1" lang="x-none" altLang="en-US"/>
           </a:p>
         </p:txBody>
       </p:sp>
@@ -1162,7 +1162,7 @@
           <p:cNvPr id="5" name="바닥글 개체 틀 4">
             <a:extLst>
               <a:ext uri="{FF2B5EF4-FFF2-40B4-BE49-F238E27FC236}">
-                <a16:creationId xmlns:a16="http://schemas.microsoft.com/office/drawing/2014/main" id="{282629A2-87F1-8E41-9629-B2C4747FD9C9}"/>
+                <a16:creationId xmlns:a16="http://schemas.microsoft.com/office/drawing/2014/main" xmlns="" id="{282629A2-87F1-8E41-9629-B2C4747FD9C9}"/>
               </a:ext>
             </a:extLst>
           </p:cNvPr>
@@ -1178,7 +1178,7 @@
           <a:bodyPr/>
           <a:lstStyle/>
           <a:p>
-            <a:endParaRPr kumimoji="1" lang="ko-Kore-KR" altLang="en-US"/>
+            <a:endParaRPr kumimoji="1" lang="x-none" altLang="en-US"/>
           </a:p>
         </p:txBody>
       </p:sp>
@@ -1187,7 +1187,7 @@
           <p:cNvPr id="6" name="슬라이드 번호 개체 틀 5">
             <a:extLst>
               <a:ext uri="{FF2B5EF4-FFF2-40B4-BE49-F238E27FC236}">
-                <a16:creationId xmlns:a16="http://schemas.microsoft.com/office/drawing/2014/main" id="{AF173C55-E04E-304D-8550-3632921AE2F3}"/>
+                <a16:creationId xmlns:a16="http://schemas.microsoft.com/office/drawing/2014/main" xmlns="" id="{AF173C55-E04E-304D-8550-3632921AE2F3}"/>
               </a:ext>
             </a:extLst>
           </p:cNvPr>
@@ -1204,10 +1204,10 @@
           <a:lstStyle/>
           <a:p>
             <a:fld id="{C0B52768-5BFE-8B43-B0D1-86CF4AD362F8}" type="slidenum">
-              <a:rPr kumimoji="1" lang="ko-Kore-KR" altLang="en-US" smtClean="0"/>
+              <a:rPr kumimoji="1" lang="x-none" altLang="en-US" smtClean="0"/>
               <a:t>‹#›</a:t>
             </a:fld>
-            <a:endParaRPr kumimoji="1" lang="ko-Kore-KR" altLang="en-US"/>
+            <a:endParaRPr kumimoji="1" lang="x-none" altLang="en-US"/>
           </a:p>
         </p:txBody>
       </p:sp>
@@ -1246,7 +1246,7 @@
           <p:cNvPr id="2" name="제목 1">
             <a:extLst>
               <a:ext uri="{FF2B5EF4-FFF2-40B4-BE49-F238E27FC236}">
-                <a16:creationId xmlns:a16="http://schemas.microsoft.com/office/drawing/2014/main" id="{2DB85FD8-5F39-1343-9434-722FE2316DB5}"/>
+                <a16:creationId xmlns:a16="http://schemas.microsoft.com/office/drawing/2014/main" xmlns="" id="{2DB85FD8-5F39-1343-9434-722FE2316DB5}"/>
               </a:ext>
             </a:extLst>
           </p:cNvPr>
@@ -1266,7 +1266,7 @@
               <a:rPr kumimoji="1" lang="ko-KR" altLang="en-US"/>
               <a:t>마스터 제목 스타일 편집</a:t>
             </a:r>
-            <a:endParaRPr kumimoji="1" lang="ko-Kore-KR" altLang="en-US"/>
+            <a:endParaRPr kumimoji="1" lang="x-none" altLang="en-US"/>
           </a:p>
         </p:txBody>
       </p:sp>
@@ -1275,7 +1275,7 @@
           <p:cNvPr id="3" name="내용 개체 틀 2">
             <a:extLst>
               <a:ext uri="{FF2B5EF4-FFF2-40B4-BE49-F238E27FC236}">
-                <a16:creationId xmlns:a16="http://schemas.microsoft.com/office/drawing/2014/main" id="{ACBD2ED7-2509-2247-A59A-1908B80802B6}"/>
+                <a16:creationId xmlns:a16="http://schemas.microsoft.com/office/drawing/2014/main" xmlns="" id="{ACBD2ED7-2509-2247-A59A-1908B80802B6}"/>
               </a:ext>
             </a:extLst>
           </p:cNvPr>
@@ -1329,7 +1329,7 @@
               <a:rPr kumimoji="1" lang="ko-KR" altLang="en-US"/>
               <a:t>다섯 번째 수준</a:t>
             </a:r>
-            <a:endParaRPr kumimoji="1" lang="ko-Kore-KR" altLang="en-US"/>
+            <a:endParaRPr kumimoji="1" lang="x-none" altLang="en-US"/>
           </a:p>
         </p:txBody>
       </p:sp>
@@ -1338,7 +1338,7 @@
           <p:cNvPr id="4" name="내용 개체 틀 3">
             <a:extLst>
               <a:ext uri="{FF2B5EF4-FFF2-40B4-BE49-F238E27FC236}">
-                <a16:creationId xmlns:a16="http://schemas.microsoft.com/office/drawing/2014/main" id="{BAD5CA7D-221A-3344-999B-BAA6950ECC81}"/>
+                <a16:creationId xmlns:a16="http://schemas.microsoft.com/office/drawing/2014/main" xmlns="" id="{BAD5CA7D-221A-3344-999B-BAA6950ECC81}"/>
               </a:ext>
             </a:extLst>
           </p:cNvPr>
@@ -1392,7 +1392,7 @@
               <a:rPr kumimoji="1" lang="ko-KR" altLang="en-US"/>
               <a:t>다섯 번째 수준</a:t>
             </a:r>
-            <a:endParaRPr kumimoji="1" lang="ko-Kore-KR" altLang="en-US"/>
+            <a:endParaRPr kumimoji="1" lang="x-none" altLang="en-US"/>
           </a:p>
         </p:txBody>
       </p:sp>
@@ -1401,7 +1401,7 @@
           <p:cNvPr id="5" name="날짜 개체 틀 4">
             <a:extLst>
               <a:ext uri="{FF2B5EF4-FFF2-40B4-BE49-F238E27FC236}">
-                <a16:creationId xmlns:a16="http://schemas.microsoft.com/office/drawing/2014/main" id="{0232E75A-2201-A449-8BEB-8AFD261BA012}"/>
+                <a16:creationId xmlns:a16="http://schemas.microsoft.com/office/drawing/2014/main" xmlns="" id="{0232E75A-2201-A449-8BEB-8AFD261BA012}"/>
               </a:ext>
             </a:extLst>
           </p:cNvPr>
@@ -1418,10 +1418,10 @@
           <a:lstStyle/>
           <a:p>
             <a:fld id="{75150791-87F9-2140-9996-BBE4230B4334}" type="datetimeFigureOut">
-              <a:rPr kumimoji="1" lang="ko-Kore-KR" altLang="en-US" smtClean="0"/>
-              <a:t>2020. 12. 4.</a:t>
+              <a:rPr kumimoji="1" lang="x-none" altLang="en-US" smtClean="0"/>
+              <a:t>2020-12-04</a:t>
             </a:fld>
-            <a:endParaRPr kumimoji="1" lang="ko-Kore-KR" altLang="en-US"/>
+            <a:endParaRPr kumimoji="1" lang="x-none" altLang="en-US"/>
           </a:p>
         </p:txBody>
       </p:sp>
@@ -1430,7 +1430,7 @@
           <p:cNvPr id="6" name="바닥글 개체 틀 5">
             <a:extLst>
               <a:ext uri="{FF2B5EF4-FFF2-40B4-BE49-F238E27FC236}">
-                <a16:creationId xmlns:a16="http://schemas.microsoft.com/office/drawing/2014/main" id="{CDC5848A-9024-064C-B956-72586D6EF497}"/>
+                <a16:creationId xmlns:a16="http://schemas.microsoft.com/office/drawing/2014/main" xmlns="" id="{CDC5848A-9024-064C-B956-72586D6EF497}"/>
               </a:ext>
             </a:extLst>
           </p:cNvPr>
@@ -1446,7 +1446,7 @@
           <a:bodyPr/>
           <a:lstStyle/>
           <a:p>
-            <a:endParaRPr kumimoji="1" lang="ko-Kore-KR" altLang="en-US"/>
+            <a:endParaRPr kumimoji="1" lang="x-none" altLang="en-US"/>
           </a:p>
         </p:txBody>
       </p:sp>
@@ -1455,7 +1455,7 @@
           <p:cNvPr id="7" name="슬라이드 번호 개체 틀 6">
             <a:extLst>
               <a:ext uri="{FF2B5EF4-FFF2-40B4-BE49-F238E27FC236}">
-                <a16:creationId xmlns:a16="http://schemas.microsoft.com/office/drawing/2014/main" id="{5BB9F679-62A3-5047-BD68-7E4055D63F1E}"/>
+                <a16:creationId xmlns:a16="http://schemas.microsoft.com/office/drawing/2014/main" xmlns="" id="{5BB9F679-62A3-5047-BD68-7E4055D63F1E}"/>
               </a:ext>
             </a:extLst>
           </p:cNvPr>
@@ -1472,10 +1472,10 @@
           <a:lstStyle/>
           <a:p>
             <a:fld id="{C0B52768-5BFE-8B43-B0D1-86CF4AD362F8}" type="slidenum">
-              <a:rPr kumimoji="1" lang="ko-Kore-KR" altLang="en-US" smtClean="0"/>
+              <a:rPr kumimoji="1" lang="x-none" altLang="en-US" smtClean="0"/>
               <a:t>‹#›</a:t>
             </a:fld>
-            <a:endParaRPr kumimoji="1" lang="ko-Kore-KR" altLang="en-US"/>
+            <a:endParaRPr kumimoji="1" lang="x-none" altLang="en-US"/>
           </a:p>
         </p:txBody>
       </p:sp>
@@ -1514,7 +1514,7 @@
           <p:cNvPr id="2" name="제목 1">
             <a:extLst>
               <a:ext uri="{FF2B5EF4-FFF2-40B4-BE49-F238E27FC236}">
-                <a16:creationId xmlns:a16="http://schemas.microsoft.com/office/drawing/2014/main" id="{C10D37E5-75D0-F54A-88F3-10660C706AD4}"/>
+                <a16:creationId xmlns:a16="http://schemas.microsoft.com/office/drawing/2014/main" xmlns="" id="{C10D37E5-75D0-F54A-88F3-10660C706AD4}"/>
               </a:ext>
             </a:extLst>
           </p:cNvPr>
@@ -1539,7 +1539,7 @@
               <a:rPr kumimoji="1" lang="ko-KR" altLang="en-US"/>
               <a:t>마스터 제목 스타일 편집</a:t>
             </a:r>
-            <a:endParaRPr kumimoji="1" lang="ko-Kore-KR" altLang="en-US"/>
+            <a:endParaRPr kumimoji="1" lang="x-none" altLang="en-US"/>
           </a:p>
         </p:txBody>
       </p:sp>
@@ -1548,7 +1548,7 @@
           <p:cNvPr id="3" name="텍스트 개체 틀 2">
             <a:extLst>
               <a:ext uri="{FF2B5EF4-FFF2-40B4-BE49-F238E27FC236}">
-                <a16:creationId xmlns:a16="http://schemas.microsoft.com/office/drawing/2014/main" id="{C058CBAD-ABBF-0142-B428-A6AD0B1728B6}"/>
+                <a16:creationId xmlns:a16="http://schemas.microsoft.com/office/drawing/2014/main" xmlns="" id="{C058CBAD-ABBF-0142-B428-A6AD0B1728B6}"/>
               </a:ext>
             </a:extLst>
           </p:cNvPr>
@@ -1619,7 +1619,7 @@
           <p:cNvPr id="4" name="내용 개체 틀 3">
             <a:extLst>
               <a:ext uri="{FF2B5EF4-FFF2-40B4-BE49-F238E27FC236}">
-                <a16:creationId xmlns:a16="http://schemas.microsoft.com/office/drawing/2014/main" id="{466925CC-4A46-5B4F-BFFE-A4D33DA1ED0D}"/>
+                <a16:creationId xmlns:a16="http://schemas.microsoft.com/office/drawing/2014/main" xmlns="" id="{466925CC-4A46-5B4F-BFFE-A4D33DA1ED0D}"/>
               </a:ext>
             </a:extLst>
           </p:cNvPr>
@@ -1673,7 +1673,7 @@
               <a:rPr kumimoji="1" lang="ko-KR" altLang="en-US"/>
               <a:t>다섯 번째 수준</a:t>
             </a:r>
-            <a:endParaRPr kumimoji="1" lang="ko-Kore-KR" altLang="en-US"/>
+            <a:endParaRPr kumimoji="1" lang="x-none" altLang="en-US"/>
           </a:p>
         </p:txBody>
       </p:sp>
@@ -1682,7 +1682,7 @@
           <p:cNvPr id="5" name="텍스트 개체 틀 4">
             <a:extLst>
               <a:ext uri="{FF2B5EF4-FFF2-40B4-BE49-F238E27FC236}">
-                <a16:creationId xmlns:a16="http://schemas.microsoft.com/office/drawing/2014/main" id="{B8D8399C-EC43-6549-BECE-8F75ACB827C0}"/>
+                <a16:creationId xmlns:a16="http://schemas.microsoft.com/office/drawing/2014/main" xmlns="" id="{B8D8399C-EC43-6549-BECE-8F75ACB827C0}"/>
               </a:ext>
             </a:extLst>
           </p:cNvPr>
@@ -1753,7 +1753,7 @@
           <p:cNvPr id="6" name="내용 개체 틀 5">
             <a:extLst>
               <a:ext uri="{FF2B5EF4-FFF2-40B4-BE49-F238E27FC236}">
-                <a16:creationId xmlns:a16="http://schemas.microsoft.com/office/drawing/2014/main" id="{A4500A51-BBC6-0F47-8955-C0B062620DD4}"/>
+                <a16:creationId xmlns:a16="http://schemas.microsoft.com/office/drawing/2014/main" xmlns="" id="{A4500A51-BBC6-0F47-8955-C0B062620DD4}"/>
               </a:ext>
             </a:extLst>
           </p:cNvPr>
@@ -1807,7 +1807,7 @@
               <a:rPr kumimoji="1" lang="ko-KR" altLang="en-US"/>
               <a:t>다섯 번째 수준</a:t>
             </a:r>
-            <a:endParaRPr kumimoji="1" lang="ko-Kore-KR" altLang="en-US"/>
+            <a:endParaRPr kumimoji="1" lang="x-none" altLang="en-US"/>
           </a:p>
         </p:txBody>
       </p:sp>
@@ -1816,7 +1816,7 @@
           <p:cNvPr id="7" name="날짜 개체 틀 6">
             <a:extLst>
               <a:ext uri="{FF2B5EF4-FFF2-40B4-BE49-F238E27FC236}">
-                <a16:creationId xmlns:a16="http://schemas.microsoft.com/office/drawing/2014/main" id="{43C13D46-7502-B346-AD3C-C626EDC76E37}"/>
+                <a16:creationId xmlns:a16="http://schemas.microsoft.com/office/drawing/2014/main" xmlns="" id="{43C13D46-7502-B346-AD3C-C626EDC76E37}"/>
               </a:ext>
             </a:extLst>
           </p:cNvPr>
@@ -1833,10 +1833,10 @@
           <a:lstStyle/>
           <a:p>
             <a:fld id="{75150791-87F9-2140-9996-BBE4230B4334}" type="datetimeFigureOut">
-              <a:rPr kumimoji="1" lang="ko-Kore-KR" altLang="en-US" smtClean="0"/>
-              <a:t>2020. 12. 4.</a:t>
+              <a:rPr kumimoji="1" lang="x-none" altLang="en-US" smtClean="0"/>
+              <a:t>2020-12-04</a:t>
             </a:fld>
-            <a:endParaRPr kumimoji="1" lang="ko-Kore-KR" altLang="en-US"/>
+            <a:endParaRPr kumimoji="1" lang="x-none" altLang="en-US"/>
           </a:p>
         </p:txBody>
       </p:sp>
@@ -1845,7 +1845,7 @@
           <p:cNvPr id="8" name="바닥글 개체 틀 7">
             <a:extLst>
               <a:ext uri="{FF2B5EF4-FFF2-40B4-BE49-F238E27FC236}">
-                <a16:creationId xmlns:a16="http://schemas.microsoft.com/office/drawing/2014/main" id="{AF68C502-230C-DB49-8EBF-EBEA98F92ED0}"/>
+                <a16:creationId xmlns:a16="http://schemas.microsoft.com/office/drawing/2014/main" xmlns="" id="{AF68C502-230C-DB49-8EBF-EBEA98F92ED0}"/>
               </a:ext>
             </a:extLst>
           </p:cNvPr>
@@ -1861,7 +1861,7 @@
           <a:bodyPr/>
           <a:lstStyle/>
           <a:p>
-            <a:endParaRPr kumimoji="1" lang="ko-Kore-KR" altLang="en-US"/>
+            <a:endParaRPr kumimoji="1" lang="x-none" altLang="en-US"/>
           </a:p>
         </p:txBody>
       </p:sp>
@@ -1870,7 +1870,7 @@
           <p:cNvPr id="9" name="슬라이드 번호 개체 틀 8">
             <a:extLst>
               <a:ext uri="{FF2B5EF4-FFF2-40B4-BE49-F238E27FC236}">
-                <a16:creationId xmlns:a16="http://schemas.microsoft.com/office/drawing/2014/main" id="{7F5115C6-B40C-1343-BB1C-6C8D6AC0A38D}"/>
+                <a16:creationId xmlns:a16="http://schemas.microsoft.com/office/drawing/2014/main" xmlns="" id="{7F5115C6-B40C-1343-BB1C-6C8D6AC0A38D}"/>
               </a:ext>
             </a:extLst>
           </p:cNvPr>
@@ -1887,10 +1887,10 @@
           <a:lstStyle/>
           <a:p>
             <a:fld id="{C0B52768-5BFE-8B43-B0D1-86CF4AD362F8}" type="slidenum">
-              <a:rPr kumimoji="1" lang="ko-Kore-KR" altLang="en-US" smtClean="0"/>
+              <a:rPr kumimoji="1" lang="x-none" altLang="en-US" smtClean="0"/>
               <a:t>‹#›</a:t>
             </a:fld>
-            <a:endParaRPr kumimoji="1" lang="ko-Kore-KR" altLang="en-US"/>
+            <a:endParaRPr kumimoji="1" lang="x-none" altLang="en-US"/>
           </a:p>
         </p:txBody>
       </p:sp>
@@ -1929,7 +1929,7 @@
           <p:cNvPr id="2" name="제목 1">
             <a:extLst>
               <a:ext uri="{FF2B5EF4-FFF2-40B4-BE49-F238E27FC236}">
-                <a16:creationId xmlns:a16="http://schemas.microsoft.com/office/drawing/2014/main" id="{E130FE5E-47C2-FD48-BBED-F77AD1703DF8}"/>
+                <a16:creationId xmlns:a16="http://schemas.microsoft.com/office/drawing/2014/main" xmlns="" id="{E130FE5E-47C2-FD48-BBED-F77AD1703DF8}"/>
               </a:ext>
             </a:extLst>
           </p:cNvPr>
@@ -1949,7 +1949,7 @@
               <a:rPr kumimoji="1" lang="ko-KR" altLang="en-US"/>
               <a:t>마스터 제목 스타일 편집</a:t>
             </a:r>
-            <a:endParaRPr kumimoji="1" lang="ko-Kore-KR" altLang="en-US"/>
+            <a:endParaRPr kumimoji="1" lang="x-none" altLang="en-US"/>
           </a:p>
         </p:txBody>
       </p:sp>
@@ -1958,7 +1958,7 @@
           <p:cNvPr id="3" name="날짜 개체 틀 2">
             <a:extLst>
               <a:ext uri="{FF2B5EF4-FFF2-40B4-BE49-F238E27FC236}">
-                <a16:creationId xmlns:a16="http://schemas.microsoft.com/office/drawing/2014/main" id="{6D8642F2-3EEB-BB47-BA89-B716D7F468EB}"/>
+                <a16:creationId xmlns:a16="http://schemas.microsoft.com/office/drawing/2014/main" xmlns="" id="{6D8642F2-3EEB-BB47-BA89-B716D7F468EB}"/>
               </a:ext>
             </a:extLst>
           </p:cNvPr>
@@ -1975,10 +1975,10 @@
           <a:lstStyle/>
           <a:p>
             <a:fld id="{75150791-87F9-2140-9996-BBE4230B4334}" type="datetimeFigureOut">
-              <a:rPr kumimoji="1" lang="ko-Kore-KR" altLang="en-US" smtClean="0"/>
-              <a:t>2020. 12. 4.</a:t>
+              <a:rPr kumimoji="1" lang="x-none" altLang="en-US" smtClean="0"/>
+              <a:t>2020-12-04</a:t>
             </a:fld>
-            <a:endParaRPr kumimoji="1" lang="ko-Kore-KR" altLang="en-US"/>
+            <a:endParaRPr kumimoji="1" lang="x-none" altLang="en-US"/>
           </a:p>
         </p:txBody>
       </p:sp>
@@ -1987,7 +1987,7 @@
           <p:cNvPr id="4" name="바닥글 개체 틀 3">
             <a:extLst>
               <a:ext uri="{FF2B5EF4-FFF2-40B4-BE49-F238E27FC236}">
-                <a16:creationId xmlns:a16="http://schemas.microsoft.com/office/drawing/2014/main" id="{7229E842-EEB2-B948-9CE6-BF382D6C1199}"/>
+                <a16:creationId xmlns:a16="http://schemas.microsoft.com/office/drawing/2014/main" xmlns="" id="{7229E842-EEB2-B948-9CE6-BF382D6C1199}"/>
               </a:ext>
             </a:extLst>
           </p:cNvPr>
@@ -2003,7 +2003,7 @@
           <a:bodyPr/>
           <a:lstStyle/>
           <a:p>
-            <a:endParaRPr kumimoji="1" lang="ko-Kore-KR" altLang="en-US"/>
+            <a:endParaRPr kumimoji="1" lang="x-none" altLang="en-US"/>
           </a:p>
         </p:txBody>
       </p:sp>
@@ -2012,7 +2012,7 @@
           <p:cNvPr id="5" name="슬라이드 번호 개체 틀 4">
             <a:extLst>
               <a:ext uri="{FF2B5EF4-FFF2-40B4-BE49-F238E27FC236}">
-                <a16:creationId xmlns:a16="http://schemas.microsoft.com/office/drawing/2014/main" id="{5AE16C56-BF06-6E4A-A224-7A3C75FBE4A6}"/>
+                <a16:creationId xmlns:a16="http://schemas.microsoft.com/office/drawing/2014/main" xmlns="" id="{5AE16C56-BF06-6E4A-A224-7A3C75FBE4A6}"/>
               </a:ext>
             </a:extLst>
           </p:cNvPr>
@@ -2029,10 +2029,10 @@
           <a:lstStyle/>
           <a:p>
             <a:fld id="{C0B52768-5BFE-8B43-B0D1-86CF4AD362F8}" type="slidenum">
-              <a:rPr kumimoji="1" lang="ko-Kore-KR" altLang="en-US" smtClean="0"/>
+              <a:rPr kumimoji="1" lang="x-none" altLang="en-US" smtClean="0"/>
               <a:t>‹#›</a:t>
             </a:fld>
-            <a:endParaRPr kumimoji="1" lang="ko-Kore-KR" altLang="en-US"/>
+            <a:endParaRPr kumimoji="1" lang="x-none" altLang="en-US"/>
           </a:p>
         </p:txBody>
       </p:sp>
@@ -2071,7 +2071,7 @@
           <p:cNvPr id="2" name="날짜 개체 틀 1">
             <a:extLst>
               <a:ext uri="{FF2B5EF4-FFF2-40B4-BE49-F238E27FC236}">
-                <a16:creationId xmlns:a16="http://schemas.microsoft.com/office/drawing/2014/main" id="{5C8178CC-AABD-DE42-B23D-3026293CAF21}"/>
+                <a16:creationId xmlns:a16="http://schemas.microsoft.com/office/drawing/2014/main" xmlns="" id="{5C8178CC-AABD-DE42-B23D-3026293CAF21}"/>
               </a:ext>
             </a:extLst>
           </p:cNvPr>
@@ -2088,10 +2088,10 @@
           <a:lstStyle/>
           <a:p>
             <a:fld id="{75150791-87F9-2140-9996-BBE4230B4334}" type="datetimeFigureOut">
-              <a:rPr kumimoji="1" lang="ko-Kore-KR" altLang="en-US" smtClean="0"/>
-              <a:t>2020. 12. 4.</a:t>
+              <a:rPr kumimoji="1" lang="x-none" altLang="en-US" smtClean="0"/>
+              <a:t>2020-12-04</a:t>
             </a:fld>
-            <a:endParaRPr kumimoji="1" lang="ko-Kore-KR" altLang="en-US"/>
+            <a:endParaRPr kumimoji="1" lang="x-none" altLang="en-US"/>
           </a:p>
         </p:txBody>
       </p:sp>
@@ -2100,7 +2100,7 @@
           <p:cNvPr id="3" name="바닥글 개체 틀 2">
             <a:extLst>
               <a:ext uri="{FF2B5EF4-FFF2-40B4-BE49-F238E27FC236}">
-                <a16:creationId xmlns:a16="http://schemas.microsoft.com/office/drawing/2014/main" id="{F271C277-2CEA-EB42-838C-3F4A07117198}"/>
+                <a16:creationId xmlns:a16="http://schemas.microsoft.com/office/drawing/2014/main" xmlns="" id="{F271C277-2CEA-EB42-838C-3F4A07117198}"/>
               </a:ext>
             </a:extLst>
           </p:cNvPr>
@@ -2116,7 +2116,7 @@
           <a:bodyPr/>
           <a:lstStyle/>
           <a:p>
-            <a:endParaRPr kumimoji="1" lang="ko-Kore-KR" altLang="en-US"/>
+            <a:endParaRPr kumimoji="1" lang="x-none" altLang="en-US"/>
           </a:p>
         </p:txBody>
       </p:sp>
@@ -2125,7 +2125,7 @@
           <p:cNvPr id="4" name="슬라이드 번호 개체 틀 3">
             <a:extLst>
               <a:ext uri="{FF2B5EF4-FFF2-40B4-BE49-F238E27FC236}">
-                <a16:creationId xmlns:a16="http://schemas.microsoft.com/office/drawing/2014/main" id="{DB84D8D8-9529-4848-BBE0-9F3BEBCA8D75}"/>
+                <a16:creationId xmlns:a16="http://schemas.microsoft.com/office/drawing/2014/main" xmlns="" id="{DB84D8D8-9529-4848-BBE0-9F3BEBCA8D75}"/>
               </a:ext>
             </a:extLst>
           </p:cNvPr>
@@ -2142,10 +2142,10 @@
           <a:lstStyle/>
           <a:p>
             <a:fld id="{C0B52768-5BFE-8B43-B0D1-86CF4AD362F8}" type="slidenum">
-              <a:rPr kumimoji="1" lang="ko-Kore-KR" altLang="en-US" smtClean="0"/>
+              <a:rPr kumimoji="1" lang="x-none" altLang="en-US" smtClean="0"/>
               <a:t>‹#›</a:t>
             </a:fld>
-            <a:endParaRPr kumimoji="1" lang="ko-Kore-KR" altLang="en-US"/>
+            <a:endParaRPr kumimoji="1" lang="x-none" altLang="en-US"/>
           </a:p>
         </p:txBody>
       </p:sp>
@@ -2184,7 +2184,7 @@
           <p:cNvPr id="2" name="제목 1">
             <a:extLst>
               <a:ext uri="{FF2B5EF4-FFF2-40B4-BE49-F238E27FC236}">
-                <a16:creationId xmlns:a16="http://schemas.microsoft.com/office/drawing/2014/main" id="{3D5DCEFD-3329-E044-A6AA-F23A2B363DC5}"/>
+                <a16:creationId xmlns:a16="http://schemas.microsoft.com/office/drawing/2014/main" xmlns="" id="{3D5DCEFD-3329-E044-A6AA-F23A2B363DC5}"/>
               </a:ext>
             </a:extLst>
           </p:cNvPr>
@@ -2213,7 +2213,7 @@
               <a:rPr kumimoji="1" lang="ko-KR" altLang="en-US"/>
               <a:t>마스터 제목 스타일 편집</a:t>
             </a:r>
-            <a:endParaRPr kumimoji="1" lang="ko-Kore-KR" altLang="en-US"/>
+            <a:endParaRPr kumimoji="1" lang="x-none" altLang="en-US"/>
           </a:p>
         </p:txBody>
       </p:sp>
@@ -2222,7 +2222,7 @@
           <p:cNvPr id="3" name="내용 개체 틀 2">
             <a:extLst>
               <a:ext uri="{FF2B5EF4-FFF2-40B4-BE49-F238E27FC236}">
-                <a16:creationId xmlns:a16="http://schemas.microsoft.com/office/drawing/2014/main" id="{A025F4F5-051C-D941-9EDC-09D4D203E201}"/>
+                <a16:creationId xmlns:a16="http://schemas.microsoft.com/office/drawing/2014/main" xmlns="" id="{A025F4F5-051C-D941-9EDC-09D4D203E201}"/>
               </a:ext>
             </a:extLst>
           </p:cNvPr>
@@ -2304,7 +2304,7 @@
               <a:rPr kumimoji="1" lang="ko-KR" altLang="en-US"/>
               <a:t>다섯 번째 수준</a:t>
             </a:r>
-            <a:endParaRPr kumimoji="1" lang="ko-Kore-KR" altLang="en-US"/>
+            <a:endParaRPr kumimoji="1" lang="x-none" altLang="en-US"/>
           </a:p>
         </p:txBody>
       </p:sp>
@@ -2313,7 +2313,7 @@
           <p:cNvPr id="4" name="텍스트 개체 틀 3">
             <a:extLst>
               <a:ext uri="{FF2B5EF4-FFF2-40B4-BE49-F238E27FC236}">
-                <a16:creationId xmlns:a16="http://schemas.microsoft.com/office/drawing/2014/main" id="{EC9AA060-E5FC-004E-B2AF-18C0D7A52878}"/>
+                <a16:creationId xmlns:a16="http://schemas.microsoft.com/office/drawing/2014/main" xmlns="" id="{EC9AA060-E5FC-004E-B2AF-18C0D7A52878}"/>
               </a:ext>
             </a:extLst>
           </p:cNvPr>
@@ -2384,7 +2384,7 @@
           <p:cNvPr id="5" name="날짜 개체 틀 4">
             <a:extLst>
               <a:ext uri="{FF2B5EF4-FFF2-40B4-BE49-F238E27FC236}">
-                <a16:creationId xmlns:a16="http://schemas.microsoft.com/office/drawing/2014/main" id="{105AD6C8-8779-E74F-85A7-164BB25AD8F5}"/>
+                <a16:creationId xmlns:a16="http://schemas.microsoft.com/office/drawing/2014/main" xmlns="" id="{105AD6C8-8779-E74F-85A7-164BB25AD8F5}"/>
               </a:ext>
             </a:extLst>
           </p:cNvPr>
@@ -2401,10 +2401,10 @@
           <a:lstStyle/>
           <a:p>
             <a:fld id="{75150791-87F9-2140-9996-BBE4230B4334}" type="datetimeFigureOut">
-              <a:rPr kumimoji="1" lang="ko-Kore-KR" altLang="en-US" smtClean="0"/>
-              <a:t>2020. 12. 4.</a:t>
+              <a:rPr kumimoji="1" lang="x-none" altLang="en-US" smtClean="0"/>
+              <a:t>2020-12-04</a:t>
             </a:fld>
-            <a:endParaRPr kumimoji="1" lang="ko-Kore-KR" altLang="en-US"/>
+            <a:endParaRPr kumimoji="1" lang="x-none" altLang="en-US"/>
           </a:p>
         </p:txBody>
       </p:sp>
@@ -2413,7 +2413,7 @@
           <p:cNvPr id="6" name="바닥글 개체 틀 5">
             <a:extLst>
               <a:ext uri="{FF2B5EF4-FFF2-40B4-BE49-F238E27FC236}">
-                <a16:creationId xmlns:a16="http://schemas.microsoft.com/office/drawing/2014/main" id="{B755C7EC-2865-4D4E-A9AD-7B0EBEEABDEB}"/>
+                <a16:creationId xmlns:a16="http://schemas.microsoft.com/office/drawing/2014/main" xmlns="" id="{B755C7EC-2865-4D4E-A9AD-7B0EBEEABDEB}"/>
               </a:ext>
             </a:extLst>
           </p:cNvPr>
@@ -2429,7 +2429,7 @@
           <a:bodyPr/>
           <a:lstStyle/>
           <a:p>
-            <a:endParaRPr kumimoji="1" lang="ko-Kore-KR" altLang="en-US"/>
+            <a:endParaRPr kumimoji="1" lang="x-none" altLang="en-US"/>
           </a:p>
         </p:txBody>
       </p:sp>
@@ -2438,7 +2438,7 @@
           <p:cNvPr id="7" name="슬라이드 번호 개체 틀 6">
             <a:extLst>
               <a:ext uri="{FF2B5EF4-FFF2-40B4-BE49-F238E27FC236}">
-                <a16:creationId xmlns:a16="http://schemas.microsoft.com/office/drawing/2014/main" id="{60B960EB-F03F-4740-AEC1-88F46AED01E3}"/>
+                <a16:creationId xmlns:a16="http://schemas.microsoft.com/office/drawing/2014/main" xmlns="" id="{60B960EB-F03F-4740-AEC1-88F46AED01E3}"/>
               </a:ext>
             </a:extLst>
           </p:cNvPr>
@@ -2455,10 +2455,10 @@
           <a:lstStyle/>
           <a:p>
             <a:fld id="{C0B52768-5BFE-8B43-B0D1-86CF4AD362F8}" type="slidenum">
-              <a:rPr kumimoji="1" lang="ko-Kore-KR" altLang="en-US" smtClean="0"/>
+              <a:rPr kumimoji="1" lang="x-none" altLang="en-US" smtClean="0"/>
               <a:t>‹#›</a:t>
             </a:fld>
-            <a:endParaRPr kumimoji="1" lang="ko-Kore-KR" altLang="en-US"/>
+            <a:endParaRPr kumimoji="1" lang="x-none" altLang="en-US"/>
           </a:p>
         </p:txBody>
       </p:sp>
@@ -2497,7 +2497,7 @@
           <p:cNvPr id="2" name="제목 1">
             <a:extLst>
               <a:ext uri="{FF2B5EF4-FFF2-40B4-BE49-F238E27FC236}">
-                <a16:creationId xmlns:a16="http://schemas.microsoft.com/office/drawing/2014/main" id="{BBEFDE06-1712-644F-B680-3A5895A3196A}"/>
+                <a16:creationId xmlns:a16="http://schemas.microsoft.com/office/drawing/2014/main" xmlns="" id="{BBEFDE06-1712-644F-B680-3A5895A3196A}"/>
               </a:ext>
             </a:extLst>
           </p:cNvPr>
@@ -2526,7 +2526,7 @@
               <a:rPr kumimoji="1" lang="ko-KR" altLang="en-US"/>
               <a:t>마스터 제목 스타일 편집</a:t>
             </a:r>
-            <a:endParaRPr kumimoji="1" lang="ko-Kore-KR" altLang="en-US"/>
+            <a:endParaRPr kumimoji="1" lang="x-none" altLang="en-US"/>
           </a:p>
         </p:txBody>
       </p:sp>
@@ -2535,7 +2535,7 @@
           <p:cNvPr id="3" name="그림 개체 틀 2">
             <a:extLst>
               <a:ext uri="{FF2B5EF4-FFF2-40B4-BE49-F238E27FC236}">
-                <a16:creationId xmlns:a16="http://schemas.microsoft.com/office/drawing/2014/main" id="{90FB1A51-772D-F94E-B2AF-07E403C16B32}"/>
+                <a16:creationId xmlns:a16="http://schemas.microsoft.com/office/drawing/2014/main" xmlns="" id="{90FB1A51-772D-F94E-B2AF-07E403C16B32}"/>
               </a:ext>
             </a:extLst>
           </p:cNvPr>
@@ -2593,7 +2593,7 @@
             </a:lvl9pPr>
           </a:lstStyle>
           <a:p>
-            <a:endParaRPr kumimoji="1" lang="ko-Kore-KR" altLang="en-US"/>
+            <a:endParaRPr kumimoji="1" lang="x-none" altLang="en-US"/>
           </a:p>
         </p:txBody>
       </p:sp>
@@ -2602,7 +2602,7 @@
           <p:cNvPr id="4" name="텍스트 개체 틀 3">
             <a:extLst>
               <a:ext uri="{FF2B5EF4-FFF2-40B4-BE49-F238E27FC236}">
-                <a16:creationId xmlns:a16="http://schemas.microsoft.com/office/drawing/2014/main" id="{93501DF1-C203-C84A-9647-1F8CABE846AC}"/>
+                <a16:creationId xmlns:a16="http://schemas.microsoft.com/office/drawing/2014/main" xmlns="" id="{93501DF1-C203-C84A-9647-1F8CABE846AC}"/>
               </a:ext>
             </a:extLst>
           </p:cNvPr>
@@ -2673,7 +2673,7 @@
           <p:cNvPr id="5" name="날짜 개체 틀 4">
             <a:extLst>
               <a:ext uri="{FF2B5EF4-FFF2-40B4-BE49-F238E27FC236}">
-                <a16:creationId xmlns:a16="http://schemas.microsoft.com/office/drawing/2014/main" id="{702977D5-6E20-C84A-804E-6FAAB9C9FCDE}"/>
+                <a16:creationId xmlns:a16="http://schemas.microsoft.com/office/drawing/2014/main" xmlns="" id="{702977D5-6E20-C84A-804E-6FAAB9C9FCDE}"/>
               </a:ext>
             </a:extLst>
           </p:cNvPr>
@@ -2690,10 +2690,10 @@
           <a:lstStyle/>
           <a:p>
             <a:fld id="{75150791-87F9-2140-9996-BBE4230B4334}" type="datetimeFigureOut">
-              <a:rPr kumimoji="1" lang="ko-Kore-KR" altLang="en-US" smtClean="0"/>
-              <a:t>2020. 12. 4.</a:t>
+              <a:rPr kumimoji="1" lang="x-none" altLang="en-US" smtClean="0"/>
+              <a:t>2020-12-04</a:t>
             </a:fld>
-            <a:endParaRPr kumimoji="1" lang="ko-Kore-KR" altLang="en-US"/>
+            <a:endParaRPr kumimoji="1" lang="x-none" altLang="en-US"/>
           </a:p>
         </p:txBody>
       </p:sp>
@@ -2702,7 +2702,7 @@
           <p:cNvPr id="6" name="바닥글 개체 틀 5">
             <a:extLst>
               <a:ext uri="{FF2B5EF4-FFF2-40B4-BE49-F238E27FC236}">
-                <a16:creationId xmlns:a16="http://schemas.microsoft.com/office/drawing/2014/main" id="{A0959977-7222-9E4A-B702-AC367C7377AD}"/>
+                <a16:creationId xmlns:a16="http://schemas.microsoft.com/office/drawing/2014/main" xmlns="" id="{A0959977-7222-9E4A-B702-AC367C7377AD}"/>
               </a:ext>
             </a:extLst>
           </p:cNvPr>
@@ -2718,7 +2718,7 @@
           <a:bodyPr/>
           <a:lstStyle/>
           <a:p>
-            <a:endParaRPr kumimoji="1" lang="ko-Kore-KR" altLang="en-US"/>
+            <a:endParaRPr kumimoji="1" lang="x-none" altLang="en-US"/>
           </a:p>
         </p:txBody>
       </p:sp>
@@ -2727,7 +2727,7 @@
           <p:cNvPr id="7" name="슬라이드 번호 개체 틀 6">
             <a:extLst>
               <a:ext uri="{FF2B5EF4-FFF2-40B4-BE49-F238E27FC236}">
-                <a16:creationId xmlns:a16="http://schemas.microsoft.com/office/drawing/2014/main" id="{EEE9DD57-4ED1-1F4A-835B-BF845666E1AC}"/>
+                <a16:creationId xmlns:a16="http://schemas.microsoft.com/office/drawing/2014/main" xmlns="" id="{EEE9DD57-4ED1-1F4A-835B-BF845666E1AC}"/>
               </a:ext>
             </a:extLst>
           </p:cNvPr>
@@ -2744,10 +2744,10 @@
           <a:lstStyle/>
           <a:p>
             <a:fld id="{C0B52768-5BFE-8B43-B0D1-86CF4AD362F8}" type="slidenum">
-              <a:rPr kumimoji="1" lang="ko-Kore-KR" altLang="en-US" smtClean="0"/>
+              <a:rPr kumimoji="1" lang="x-none" altLang="en-US" smtClean="0"/>
               <a:t>‹#›</a:t>
             </a:fld>
-            <a:endParaRPr kumimoji="1" lang="ko-Kore-KR" altLang="en-US"/>
+            <a:endParaRPr kumimoji="1" lang="x-none" altLang="en-US"/>
           </a:p>
         </p:txBody>
       </p:sp>
@@ -2791,7 +2791,7 @@
           <p:cNvPr id="2" name="제목 개체 틀 1">
             <a:extLst>
               <a:ext uri="{FF2B5EF4-FFF2-40B4-BE49-F238E27FC236}">
-                <a16:creationId xmlns:a16="http://schemas.microsoft.com/office/drawing/2014/main" id="{B8A840F6-48B1-434F-AA64-D32D5169606A}"/>
+                <a16:creationId xmlns:a16="http://schemas.microsoft.com/office/drawing/2014/main" xmlns="" id="{B8A840F6-48B1-434F-AA64-D32D5169606A}"/>
               </a:ext>
             </a:extLst>
           </p:cNvPr>
@@ -2821,7 +2821,7 @@
               <a:rPr kumimoji="1" lang="ko-KR" altLang="en-US"/>
               <a:t>마스터 제목 스타일 편집</a:t>
             </a:r>
-            <a:endParaRPr kumimoji="1" lang="ko-Kore-KR" altLang="en-US"/>
+            <a:endParaRPr kumimoji="1" lang="x-none" altLang="en-US"/>
           </a:p>
         </p:txBody>
       </p:sp>
@@ -2830,7 +2830,7 @@
           <p:cNvPr id="3" name="텍스트 개체 틀 2">
             <a:extLst>
               <a:ext uri="{FF2B5EF4-FFF2-40B4-BE49-F238E27FC236}">
-                <a16:creationId xmlns:a16="http://schemas.microsoft.com/office/drawing/2014/main" id="{103AED3B-2BC2-C042-8AD0-85E844E5420F}"/>
+                <a16:creationId xmlns:a16="http://schemas.microsoft.com/office/drawing/2014/main" xmlns="" id="{103AED3B-2BC2-C042-8AD0-85E844E5420F}"/>
               </a:ext>
             </a:extLst>
           </p:cNvPr>
@@ -2889,7 +2889,7 @@
               <a:rPr kumimoji="1" lang="ko-KR" altLang="en-US"/>
               <a:t>다섯 번째 수준</a:t>
             </a:r>
-            <a:endParaRPr kumimoji="1" lang="ko-Kore-KR" altLang="en-US"/>
+            <a:endParaRPr kumimoji="1" lang="x-none" altLang="en-US"/>
           </a:p>
         </p:txBody>
       </p:sp>
@@ -2898,7 +2898,7 @@
           <p:cNvPr id="4" name="날짜 개체 틀 3">
             <a:extLst>
               <a:ext uri="{FF2B5EF4-FFF2-40B4-BE49-F238E27FC236}">
-                <a16:creationId xmlns:a16="http://schemas.microsoft.com/office/drawing/2014/main" id="{67A8A098-AD6D-7D44-B3B7-F48AC69C432C}"/>
+                <a16:creationId xmlns:a16="http://schemas.microsoft.com/office/drawing/2014/main" xmlns="" id="{67A8A098-AD6D-7D44-B3B7-F48AC69C432C}"/>
               </a:ext>
             </a:extLst>
           </p:cNvPr>
@@ -2933,10 +2933,10 @@
           </a:lstStyle>
           <a:p>
             <a:fld id="{75150791-87F9-2140-9996-BBE4230B4334}" type="datetimeFigureOut">
-              <a:rPr kumimoji="1" lang="ko-Kore-KR" altLang="en-US" smtClean="0"/>
-              <a:t>2020. 12. 4.</a:t>
+              <a:rPr kumimoji="1" lang="x-none" altLang="en-US" smtClean="0"/>
+              <a:t>2020-12-04</a:t>
             </a:fld>
-            <a:endParaRPr kumimoji="1" lang="ko-Kore-KR" altLang="en-US"/>
+            <a:endParaRPr kumimoji="1" lang="x-none" altLang="en-US"/>
           </a:p>
         </p:txBody>
       </p:sp>
@@ -2945,7 +2945,7 @@
           <p:cNvPr id="5" name="바닥글 개체 틀 4">
             <a:extLst>
               <a:ext uri="{FF2B5EF4-FFF2-40B4-BE49-F238E27FC236}">
-                <a16:creationId xmlns:a16="http://schemas.microsoft.com/office/drawing/2014/main" id="{81E49D81-F8A9-2149-B221-DC73CCDEF4B8}"/>
+                <a16:creationId xmlns:a16="http://schemas.microsoft.com/office/drawing/2014/main" xmlns="" id="{81E49D81-F8A9-2149-B221-DC73CCDEF4B8}"/>
               </a:ext>
             </a:extLst>
           </p:cNvPr>
@@ -2979,7 +2979,7 @@
             </a:lvl1pPr>
           </a:lstStyle>
           <a:p>
-            <a:endParaRPr kumimoji="1" lang="ko-Kore-KR" altLang="en-US"/>
+            <a:endParaRPr kumimoji="1" lang="x-none" altLang="en-US"/>
           </a:p>
         </p:txBody>
       </p:sp>
@@ -2988,7 +2988,7 @@
           <p:cNvPr id="6" name="슬라이드 번호 개체 틀 5">
             <a:extLst>
               <a:ext uri="{FF2B5EF4-FFF2-40B4-BE49-F238E27FC236}">
-                <a16:creationId xmlns:a16="http://schemas.microsoft.com/office/drawing/2014/main" id="{8A6538AB-F13E-E942-A3D2-D8C0BCC7CF08}"/>
+                <a16:creationId xmlns:a16="http://schemas.microsoft.com/office/drawing/2014/main" xmlns="" id="{8A6538AB-F13E-E942-A3D2-D8C0BCC7CF08}"/>
               </a:ext>
             </a:extLst>
           </p:cNvPr>
@@ -3023,10 +3023,10 @@
           </a:lstStyle>
           <a:p>
             <a:fld id="{C0B52768-5BFE-8B43-B0D1-86CF4AD362F8}" type="slidenum">
-              <a:rPr kumimoji="1" lang="ko-Kore-KR" altLang="en-US" smtClean="0"/>
+              <a:rPr kumimoji="1" lang="x-none" altLang="en-US" smtClean="0"/>
               <a:t>‹#›</a:t>
             </a:fld>
-            <a:endParaRPr kumimoji="1" lang="ko-Kore-KR" altLang="en-US"/>
+            <a:endParaRPr kumimoji="1" lang="x-none" altLang="en-US"/>
           </a:p>
         </p:txBody>
       </p:sp>
@@ -3237,7 +3237,7 @@
     </p:bodyStyle>
     <p:otherStyle>
       <a:defPPr>
-        <a:defRPr lang="ko-Kore-KR"/>
+        <a:defRPr lang="x-none"/>
       </a:defPPr>
       <a:lvl1pPr marL="0" algn="l" defTabSz="914400" rtl="0" eaLnBrk="1" latinLnBrk="0" hangingPunct="1">
         <a:defRPr sz="1800" kern="1200">
@@ -3356,7 +3356,7 @@
           <p:cNvPr id="4" name="TextBox 3">
             <a:extLst>
               <a:ext uri="{FF2B5EF4-FFF2-40B4-BE49-F238E27FC236}">
-                <a16:creationId xmlns:a16="http://schemas.microsoft.com/office/drawing/2014/main" id="{DE3FFCA8-31DD-1B41-A0C1-5AAEBB835E4C}"/>
+                <a16:creationId xmlns:a16="http://schemas.microsoft.com/office/drawing/2014/main" xmlns="" id="{DE3FFCA8-31DD-1B41-A0C1-5AAEBB835E4C}"/>
               </a:ext>
             </a:extLst>
           </p:cNvPr>
@@ -3380,14 +3380,14 @@
           <a:lstStyle/>
           <a:p>
             <a:r>
-              <a:rPr kumimoji="1" lang="en-US" altLang="ko-Kore-KR" dirty="0"/>
+              <a:rPr kumimoji="1" lang="en-US" altLang="x-none" dirty="0"/>
               <a:t>Django oracle </a:t>
             </a:r>
             <a:r>
               <a:rPr kumimoji="1" lang="ko-KR" altLang="en-US" dirty="0"/>
               <a:t>연동</a:t>
             </a:r>
-            <a:endParaRPr kumimoji="1" lang="ko-Kore-KR" altLang="en-US" dirty="0"/>
+            <a:endParaRPr kumimoji="1" lang="x-none" altLang="en-US" dirty="0"/>
           </a:p>
         </p:txBody>
       </p:sp>
@@ -3396,7 +3396,7 @@
           <p:cNvPr id="5" name="그림 4">
             <a:extLst>
               <a:ext uri="{FF2B5EF4-FFF2-40B4-BE49-F238E27FC236}">
-                <a16:creationId xmlns:a16="http://schemas.microsoft.com/office/drawing/2014/main" id="{E537601B-DA62-7E44-8DA2-2F4CA3C69DD9}"/>
+                <a16:creationId xmlns:a16="http://schemas.microsoft.com/office/drawing/2014/main" xmlns="" id="{E537601B-DA62-7E44-8DA2-2F4CA3C69DD9}"/>
               </a:ext>
             </a:extLst>
           </p:cNvPr>
@@ -3456,7 +3456,7 @@
           <p:cNvPr id="4" name="TextBox 3">
             <a:extLst>
               <a:ext uri="{FF2B5EF4-FFF2-40B4-BE49-F238E27FC236}">
-                <a16:creationId xmlns:a16="http://schemas.microsoft.com/office/drawing/2014/main" id="{DE3FFCA8-31DD-1B41-A0C1-5AAEBB835E4C}"/>
+                <a16:creationId xmlns:a16="http://schemas.microsoft.com/office/drawing/2014/main" xmlns="" id="{DE3FFCA8-31DD-1B41-A0C1-5AAEBB835E4C}"/>
               </a:ext>
             </a:extLst>
           </p:cNvPr>
@@ -3480,18 +3480,18 @@
           <a:lstStyle/>
           <a:p>
             <a:r>
-              <a:rPr kumimoji="1" lang="en-US" altLang="ko-Kore-KR" dirty="0" err="1"/>
+              <a:rPr kumimoji="1" lang="en-US" altLang="x-none" dirty="0" err="1"/>
               <a:t>Settings.py</a:t>
             </a:r>
             <a:r>
-              <a:rPr kumimoji="1" lang="en-US" altLang="ko-Kore-KR" dirty="0"/>
+              <a:rPr kumimoji="1" lang="en-US" altLang="x-none" dirty="0"/>
               <a:t> </a:t>
             </a:r>
             <a:r>
               <a:rPr kumimoji="1" lang="ko-KR" altLang="en-US" dirty="0"/>
               <a:t>파일 수정</a:t>
             </a:r>
-            <a:endParaRPr kumimoji="1" lang="ko-Kore-KR" altLang="en-US" dirty="0"/>
+            <a:endParaRPr kumimoji="1" lang="x-none" altLang="en-US" dirty="0"/>
           </a:p>
         </p:txBody>
       </p:sp>
@@ -3500,7 +3500,7 @@
           <p:cNvPr id="1026" name="Picture 2">
             <a:extLst>
               <a:ext uri="{FF2B5EF4-FFF2-40B4-BE49-F238E27FC236}">
-                <a16:creationId xmlns:a16="http://schemas.microsoft.com/office/drawing/2014/main" id="{2C060D93-D6F8-C844-B339-A9C2E6569F17}"/>
+                <a16:creationId xmlns:a16="http://schemas.microsoft.com/office/drawing/2014/main" xmlns="" id="{2C060D93-D6F8-C844-B339-A9C2E6569F17}"/>
               </a:ext>
             </a:extLst>
           </p:cNvPr>
@@ -3547,7 +3547,7 @@
           <p:cNvPr id="1028" name="Picture 4">
             <a:extLst>
               <a:ext uri="{FF2B5EF4-FFF2-40B4-BE49-F238E27FC236}">
-                <a16:creationId xmlns:a16="http://schemas.microsoft.com/office/drawing/2014/main" id="{38DD9044-9CA6-CD44-9C08-FC46E4B9D403}"/>
+                <a16:creationId xmlns:a16="http://schemas.microsoft.com/office/drawing/2014/main" xmlns="" id="{38DD9044-9CA6-CD44-9C08-FC46E4B9D403}"/>
               </a:ext>
             </a:extLst>
           </p:cNvPr>
@@ -3594,7 +3594,7 @@
           <p:cNvPr id="1030" name="Picture 6">
             <a:extLst>
               <a:ext uri="{FF2B5EF4-FFF2-40B4-BE49-F238E27FC236}">
-                <a16:creationId xmlns:a16="http://schemas.microsoft.com/office/drawing/2014/main" id="{D1A9F921-7BC7-7245-8376-F3DEBF478532}"/>
+                <a16:creationId xmlns:a16="http://schemas.microsoft.com/office/drawing/2014/main" xmlns="" id="{D1A9F921-7BC7-7245-8376-F3DEBF478532}"/>
               </a:ext>
             </a:extLst>
           </p:cNvPr>
@@ -3641,7 +3641,7 @@
           <p:cNvPr id="2" name="아래쪽 화살표[D] 1">
             <a:extLst>
               <a:ext uri="{FF2B5EF4-FFF2-40B4-BE49-F238E27FC236}">
-                <a16:creationId xmlns:a16="http://schemas.microsoft.com/office/drawing/2014/main" id="{27B0C4D7-3BB1-684B-8720-F999F451AFC6}"/>
+                <a16:creationId xmlns:a16="http://schemas.microsoft.com/office/drawing/2014/main" xmlns="" id="{27B0C4D7-3BB1-684B-8720-F999F451AFC6}"/>
               </a:ext>
             </a:extLst>
           </p:cNvPr>
@@ -3678,7 +3678,7 @@
           <a:lstStyle/>
           <a:p>
             <a:pPr algn="ctr"/>
-            <a:endParaRPr kumimoji="1" lang="ko-Kore-KR" altLang="en-US"/>
+            <a:endParaRPr kumimoji="1" lang="x-none" altLang="en-US"/>
           </a:p>
         </p:txBody>
       </p:sp>
@@ -3687,7 +3687,7 @@
           <p:cNvPr id="6" name="오른쪽 화살표[R] 5">
             <a:extLst>
               <a:ext uri="{FF2B5EF4-FFF2-40B4-BE49-F238E27FC236}">
-                <a16:creationId xmlns:a16="http://schemas.microsoft.com/office/drawing/2014/main" id="{53E0FED2-823B-B648-BE08-33E54BFCDF51}"/>
+                <a16:creationId xmlns:a16="http://schemas.microsoft.com/office/drawing/2014/main" xmlns="" id="{53E0FED2-823B-B648-BE08-33E54BFCDF51}"/>
               </a:ext>
             </a:extLst>
           </p:cNvPr>
@@ -3724,7 +3724,7 @@
           <a:lstStyle/>
           <a:p>
             <a:pPr algn="ctr"/>
-            <a:endParaRPr kumimoji="1" lang="ko-Kore-KR" altLang="en-US"/>
+            <a:endParaRPr kumimoji="1" lang="x-none" altLang="en-US"/>
           </a:p>
         </p:txBody>
       </p:sp>
@@ -3763,7 +3763,7 @@
           <p:cNvPr id="4" name="직사각형 3">
             <a:extLst>
               <a:ext uri="{FF2B5EF4-FFF2-40B4-BE49-F238E27FC236}">
-                <a16:creationId xmlns:a16="http://schemas.microsoft.com/office/drawing/2014/main" id="{1C7F39ED-7831-584D-B42B-4092336444B4}"/>
+                <a16:creationId xmlns:a16="http://schemas.microsoft.com/office/drawing/2014/main" xmlns="" id="{1C7F39ED-7831-584D-B42B-4092336444B4}"/>
               </a:ext>
             </a:extLst>
           </p:cNvPr>
@@ -3786,7 +3786,7 @@
           <a:lstStyle/>
           <a:p>
             <a:r>
-              <a:rPr lang="en" altLang="ko-Kore-KR" b="1" i="0" dirty="0">
+              <a:rPr lang="en" altLang="x-none" b="1" i="0" dirty="0">
                 <a:solidFill>
                   <a:srgbClr val="404040"/>
                 </a:solidFill>
@@ -3796,7 +3796,7 @@
               <a:t>Quick Start </a:t>
             </a:r>
             <a:r>
-              <a:rPr lang="en" altLang="ko-Kore-KR" b="1" i="0" dirty="0" err="1">
+              <a:rPr lang="en" altLang="x-none" b="1" i="0" dirty="0" err="1">
                 <a:solidFill>
                   <a:srgbClr val="404040"/>
                 </a:solidFill>
@@ -3806,7 +3806,7 @@
               <a:t>cx_Oracle</a:t>
             </a:r>
             <a:r>
-              <a:rPr lang="en" altLang="ko-Kore-KR" b="1" i="0" dirty="0">
+              <a:rPr lang="en" altLang="x-none" b="1" i="0" dirty="0">
                 <a:solidFill>
                   <a:srgbClr val="404040"/>
                 </a:solidFill>
@@ -3822,7 +3822,7 @@
               <a:buChar char="•"/>
             </a:pPr>
             <a:r>
-              <a:rPr lang="en" altLang="ko-Kore-KR" b="0" i="0" dirty="0">
+              <a:rPr lang="en" altLang="x-none" b="0" i="0" dirty="0">
                 <a:solidFill>
                   <a:srgbClr val="404040"/>
                 </a:solidFill>
@@ -3832,7 +3832,7 @@
               <a:t>Install </a:t>
             </a:r>
             <a:r>
-              <a:rPr lang="en" altLang="ko-Kore-KR" b="0" i="0" u="none" strike="noStrike" dirty="0">
+              <a:rPr lang="en" altLang="x-none" b="0" i="0" u="none" strike="noStrike" dirty="0">
                 <a:solidFill>
                   <a:srgbClr val="9B59B6"/>
                 </a:solidFill>
@@ -3843,7 +3843,7 @@
               <a:t>Python</a:t>
             </a:r>
             <a:r>
-              <a:rPr lang="en" altLang="ko-Kore-KR" b="0" i="0" dirty="0">
+              <a:rPr lang="en" altLang="x-none" b="0" i="0" dirty="0">
                 <a:solidFill>
                   <a:srgbClr val="404040"/>
                 </a:solidFill>
@@ -3859,7 +3859,7 @@
               <a:buChar char="•"/>
             </a:pPr>
             <a:r>
-              <a:rPr lang="en" altLang="ko-Kore-KR" b="0" i="0" dirty="0">
+              <a:rPr lang="en" altLang="x-none" b="0" i="0" dirty="0">
                 <a:solidFill>
                   <a:srgbClr val="404040"/>
                 </a:solidFill>
@@ -3869,7 +3869,7 @@
               <a:t>Python 3.5 and higher are supported by </a:t>
             </a:r>
             <a:r>
-              <a:rPr lang="en" altLang="ko-Kore-KR" b="0" i="0" dirty="0" err="1">
+              <a:rPr lang="en" altLang="x-none" b="0" i="0" dirty="0" err="1">
                 <a:solidFill>
                   <a:srgbClr val="404040"/>
                 </a:solidFill>
@@ -3879,7 +3879,7 @@
               <a:t>cx_Oracle</a:t>
             </a:r>
             <a:r>
-              <a:rPr lang="en" altLang="ko-Kore-KR" b="0" i="0" dirty="0">
+              <a:rPr lang="en" altLang="x-none" b="0" i="0" dirty="0">
                 <a:solidFill>
                   <a:srgbClr val="404040"/>
                 </a:solidFill>
@@ -3889,7 +3889,7 @@
               <a:t> 8. If you use Python 2, then the older </a:t>
             </a:r>
             <a:r>
-              <a:rPr lang="en" altLang="ko-Kore-KR" b="0" i="0" dirty="0" err="1">
+              <a:rPr lang="en" altLang="x-none" b="0" i="0" dirty="0" err="1">
                 <a:solidFill>
                   <a:srgbClr val="404040"/>
                 </a:solidFill>
@@ -3899,7 +3899,7 @@
               <a:t>cx_Oracle</a:t>
             </a:r>
             <a:r>
-              <a:rPr lang="en" altLang="ko-Kore-KR" b="0" i="0" dirty="0">
+              <a:rPr lang="en" altLang="x-none" b="0" i="0" dirty="0">
                 <a:solidFill>
                   <a:srgbClr val="404040"/>
                 </a:solidFill>
@@ -3915,7 +3915,7 @@
               <a:buChar char="•"/>
             </a:pPr>
             <a:r>
-              <a:rPr lang="en" altLang="ko-Kore-KR" b="0" i="0" dirty="0">
+              <a:rPr lang="en" altLang="x-none" b="0" i="0" dirty="0">
                 <a:solidFill>
                   <a:srgbClr val="404040"/>
                 </a:solidFill>
@@ -3925,7 +3925,7 @@
               <a:t>Install </a:t>
             </a:r>
             <a:r>
-              <a:rPr lang="en" altLang="ko-Kore-KR" b="0" i="0" dirty="0" err="1">
+              <a:rPr lang="en" altLang="x-none" b="0" i="0" dirty="0" err="1">
                 <a:solidFill>
                   <a:srgbClr val="404040"/>
                 </a:solidFill>
@@ -3935,7 +3935,7 @@
               <a:t>cx_Oracle</a:t>
             </a:r>
             <a:r>
-              <a:rPr lang="en" altLang="ko-Kore-KR" b="0" i="0" dirty="0">
+              <a:rPr lang="en" altLang="x-none" b="0" i="0" dirty="0">
                 <a:solidFill>
                   <a:srgbClr val="404040"/>
                 </a:solidFill>
@@ -3945,7 +3945,7 @@
               <a:t> from </a:t>
             </a:r>
             <a:r>
-              <a:rPr lang="en" altLang="ko-Kore-KR" b="0" i="0" u="none" strike="noStrike" dirty="0">
+              <a:rPr lang="en" altLang="x-none" b="0" i="0" u="none" strike="noStrike" dirty="0">
                 <a:solidFill>
                   <a:srgbClr val="9B59B6"/>
                 </a:solidFill>
@@ -3956,7 +3956,7 @@
               <a:t>PyPI</a:t>
             </a:r>
             <a:r>
-              <a:rPr lang="en" altLang="ko-Kore-KR" b="0" i="0" dirty="0">
+              <a:rPr lang="en" altLang="x-none" b="0" i="0" dirty="0">
                 <a:solidFill>
                   <a:srgbClr val="404040"/>
                 </a:solidFill>
@@ -3972,7 +3972,7 @@
               <a:buChar char="•"/>
             </a:pPr>
             <a:r>
-              <a:rPr lang="en" altLang="ko-Kore-KR" b="0" i="0" dirty="0">
+              <a:rPr lang="en" altLang="x-none" b="0" i="0" dirty="0">
                 <a:solidFill>
                   <a:srgbClr val="404040"/>
                 </a:solidFill>
@@ -3982,7 +3982,7 @@
               <a:t>python -m pip install </a:t>
             </a:r>
             <a:r>
-              <a:rPr lang="en" altLang="ko-Kore-KR" b="0" i="0" dirty="0" err="1">
+              <a:rPr lang="en" altLang="x-none" b="0" i="0" dirty="0" err="1">
                 <a:solidFill>
                   <a:srgbClr val="404040"/>
                 </a:solidFill>
@@ -3992,7 +3992,7 @@
               <a:t>cx_Oracle</a:t>
             </a:r>
             <a:r>
-              <a:rPr lang="en" altLang="ko-Kore-KR" b="0" i="0" dirty="0">
+              <a:rPr lang="en" altLang="x-none" b="0" i="0" dirty="0">
                 <a:solidFill>
                   <a:srgbClr val="404040"/>
                 </a:solidFill>
@@ -4008,7 +4008,7 @@
               <a:buChar char="•"/>
             </a:pPr>
             <a:r>
-              <a:rPr lang="en" altLang="ko-Kore-KR" b="0" i="0" dirty="0">
+              <a:rPr lang="en" altLang="x-none" b="0" i="0" dirty="0">
                 <a:solidFill>
                   <a:srgbClr val="404040"/>
                 </a:solidFill>
@@ -4024,7 +4024,7 @@
               <a:buChar char="•"/>
             </a:pPr>
             <a:r>
-              <a:rPr lang="en" altLang="ko-Kore-KR" b="0" i="0" dirty="0">
+              <a:rPr lang="en" altLang="x-none" b="0" i="0" dirty="0">
                 <a:solidFill>
                   <a:srgbClr val="404040"/>
                 </a:solidFill>
@@ -4040,7 +4040,7 @@
               <a:buChar char="•"/>
             </a:pPr>
             <a:r>
-              <a:rPr lang="en" altLang="ko-Kore-KR" b="0" i="0" dirty="0">
+              <a:rPr lang="en" altLang="x-none" b="0" i="0" dirty="0">
                 <a:solidFill>
                   <a:srgbClr val="404040"/>
                 </a:solidFill>
@@ -4050,7 +4050,7 @@
               <a:t>python -m pip install </a:t>
             </a:r>
             <a:r>
-              <a:rPr lang="en" altLang="ko-Kore-KR" b="0" i="0" dirty="0" err="1">
+              <a:rPr lang="en" altLang="x-none" b="0" i="0" dirty="0" err="1">
                 <a:solidFill>
                   <a:srgbClr val="404040"/>
                 </a:solidFill>
@@ -4060,7 +4060,7 @@
               <a:t>cx_Oracle</a:t>
             </a:r>
             <a:r>
-              <a:rPr lang="en" altLang="ko-Kore-KR" b="0" i="0" dirty="0">
+              <a:rPr lang="en" altLang="x-none" b="0" i="0" dirty="0">
                 <a:solidFill>
                   <a:srgbClr val="404040"/>
                 </a:solidFill>
@@ -4107,7 +4107,7 @@
           <p:cNvPr id="4" name="직사각형 3">
             <a:extLst>
               <a:ext uri="{FF2B5EF4-FFF2-40B4-BE49-F238E27FC236}">
-                <a16:creationId xmlns:a16="http://schemas.microsoft.com/office/drawing/2014/main" id="{E76F688A-E72F-CB4B-9AD1-A0B226AAC941}"/>
+                <a16:creationId xmlns:a16="http://schemas.microsoft.com/office/drawing/2014/main" xmlns="" id="{E76F688A-E72F-CB4B-9AD1-A0B226AAC941}"/>
               </a:ext>
             </a:extLst>
           </p:cNvPr>
@@ -4145,34 +4145,34 @@
           <a:p>
             <a:pPr algn="ctr"/>
             <a:r>
-              <a:rPr kumimoji="1" lang="ko-Kore-KR" altLang="en-US" dirty="0"/>
+              <a:rPr kumimoji="1" lang="x-none" altLang="en-US" dirty="0"/>
               <a:t>공개시장조작</a:t>
             </a:r>
-            <a:endParaRPr kumimoji="1" lang="en-US" altLang="ko-Kore-KR" dirty="0"/>
+            <a:endParaRPr kumimoji="1" lang="en-US" altLang="x-none" dirty="0"/>
           </a:p>
           <a:p>
             <a:pPr algn="ctr"/>
             <a:r>
-              <a:rPr kumimoji="1" lang="en-US" altLang="ko-Kore-KR" dirty="0"/>
+              <a:rPr kumimoji="1" lang="en-US" altLang="x-none" dirty="0"/>
               <a:t>(open </a:t>
             </a:r>
             <a:r>
-              <a:rPr kumimoji="1" lang="en-US" altLang="ko-Kore-KR" dirty="0" err="1"/>
+              <a:rPr kumimoji="1" lang="en-US" altLang="x-none" dirty="0" err="1"/>
               <a:t>maket</a:t>
             </a:r>
             <a:r>
-              <a:rPr kumimoji="1" lang="en-US" altLang="ko-Kore-KR" dirty="0"/>
+              <a:rPr kumimoji="1" lang="en-US" altLang="x-none" dirty="0"/>
               <a:t> </a:t>
             </a:r>
             <a:r>
-              <a:rPr kumimoji="1" lang="en-US" altLang="ko-Kore-KR" dirty="0" err="1"/>
+              <a:rPr kumimoji="1" lang="en-US" altLang="x-none" dirty="0" err="1"/>
               <a:t>operactions</a:t>
             </a:r>
             <a:r>
-              <a:rPr kumimoji="1" lang="en-US" altLang="ko-Kore-KR" dirty="0"/>
+              <a:rPr kumimoji="1" lang="en-US" altLang="x-none" dirty="0"/>
               <a:t>) </a:t>
             </a:r>
-            <a:endParaRPr kumimoji="1" lang="ko-Kore-KR" altLang="en-US" dirty="0"/>
+            <a:endParaRPr kumimoji="1" lang="x-none" altLang="en-US" dirty="0"/>
           </a:p>
         </p:txBody>
       </p:sp>
@@ -4181,7 +4181,7 @@
           <p:cNvPr id="5" name="직사각형 4">
             <a:extLst>
               <a:ext uri="{FF2B5EF4-FFF2-40B4-BE49-F238E27FC236}">
-                <a16:creationId xmlns:a16="http://schemas.microsoft.com/office/drawing/2014/main" id="{7200AAEE-7C74-6045-9189-9EFAC04252DF}"/>
+                <a16:creationId xmlns:a16="http://schemas.microsoft.com/office/drawing/2014/main" xmlns="" id="{7200AAEE-7C74-6045-9189-9EFAC04252DF}"/>
               </a:ext>
             </a:extLst>
           </p:cNvPr>
@@ -4219,7 +4219,7 @@
           <a:p>
             <a:pPr algn="ctr"/>
             <a:r>
-              <a:rPr kumimoji="1" lang="ko-Kore-KR" altLang="en-US" dirty="0"/>
+              <a:rPr kumimoji="1" lang="x-none" altLang="en-US" dirty="0"/>
               <a:t>재할인율</a:t>
             </a:r>
             <a:r>
@@ -4234,7 +4234,7 @@
               <a:rPr kumimoji="1" lang="en-US" altLang="ko-KR" dirty="0"/>
               <a:t>(Discount Rate)</a:t>
             </a:r>
-            <a:endParaRPr kumimoji="1" lang="ko-Kore-KR" altLang="en-US" dirty="0"/>
+            <a:endParaRPr kumimoji="1" lang="x-none" altLang="en-US" dirty="0"/>
           </a:p>
         </p:txBody>
       </p:sp>
@@ -4243,7 +4243,7 @@
           <p:cNvPr id="7" name="직사각형 6">
             <a:extLst>
               <a:ext uri="{FF2B5EF4-FFF2-40B4-BE49-F238E27FC236}">
-                <a16:creationId xmlns:a16="http://schemas.microsoft.com/office/drawing/2014/main" id="{F59AAA30-B04D-E745-B403-0D773959EE4F}"/>
+                <a16:creationId xmlns:a16="http://schemas.microsoft.com/office/drawing/2014/main" xmlns="" id="{F59AAA30-B04D-E745-B403-0D773959EE4F}"/>
               </a:ext>
             </a:extLst>
           </p:cNvPr>
@@ -4300,7 +4300,7 @@
           <p:cNvPr id="8" name="직사각형 7">
             <a:extLst>
               <a:ext uri="{FF2B5EF4-FFF2-40B4-BE49-F238E27FC236}">
-                <a16:creationId xmlns:a16="http://schemas.microsoft.com/office/drawing/2014/main" id="{779CEB73-F7D4-0C49-A4F3-97976F3E43BC}"/>
+                <a16:creationId xmlns:a16="http://schemas.microsoft.com/office/drawing/2014/main" xmlns="" id="{779CEB73-F7D4-0C49-A4F3-97976F3E43BC}"/>
               </a:ext>
             </a:extLst>
           </p:cNvPr>
@@ -4352,7 +4352,7 @@
           <p:cNvPr id="9" name="TextBox 8">
             <a:extLst>
               <a:ext uri="{FF2B5EF4-FFF2-40B4-BE49-F238E27FC236}">
-                <a16:creationId xmlns:a16="http://schemas.microsoft.com/office/drawing/2014/main" id="{0E328FCE-D1AF-1840-8517-538A9004670C}"/>
+                <a16:creationId xmlns:a16="http://schemas.microsoft.com/office/drawing/2014/main" xmlns="" id="{0E328FCE-D1AF-1840-8517-538A9004670C}"/>
               </a:ext>
             </a:extLst>
           </p:cNvPr>
@@ -4376,7 +4376,7 @@
           <a:lstStyle/>
           <a:p>
             <a:r>
-              <a:rPr kumimoji="1" lang="ko-Kore-KR" altLang="en-US" dirty="0"/>
+              <a:rPr kumimoji="1" lang="x-none" altLang="en-US" dirty="0"/>
               <a:t>공개시장조작</a:t>
             </a:r>
             <a:r>
@@ -4392,7 +4392,7 @@
               <a:t> </a:t>
             </a:r>
             <a:r>
-              <a:rPr kumimoji="1" lang="ko-Kore-KR" altLang="en-US" dirty="0"/>
+              <a:rPr kumimoji="1" lang="x-none" altLang="en-US" dirty="0"/>
               <a:t>공개시장조작을</a:t>
             </a:r>
             <a:r>
@@ -4511,7 +4511,7 @@
               <a:rPr kumimoji="1" lang="en-US" altLang="ko-KR" dirty="0"/>
               <a:t>.</a:t>
             </a:r>
-            <a:endParaRPr kumimoji="1" lang="ko-Kore-KR" altLang="en-US" dirty="0"/>
+            <a:endParaRPr kumimoji="1" lang="x-none" altLang="en-US" dirty="0"/>
           </a:p>
         </p:txBody>
       </p:sp>
@@ -4547,13 +4547,7 @@
       </p:grpSpPr>
       <p:pic>
         <p:nvPicPr>
-          <p:cNvPr id="4" name="그림 3">
-            <a:extLst>
-              <a:ext uri="{FF2B5EF4-FFF2-40B4-BE49-F238E27FC236}">
-                <a16:creationId xmlns:a16="http://schemas.microsoft.com/office/drawing/2014/main" id="{0397A951-E1D8-0A47-BFD2-E72AA1745530}"/>
-              </a:ext>
-            </a:extLst>
-          </p:cNvPr>
+          <p:cNvPr id="3" name="그림 2"/>
           <p:cNvPicPr>
             <a:picLocks noChangeAspect="1"/>
           </p:cNvPicPr>
@@ -4567,8 +4561,8 @@
         </p:blipFill>
         <p:spPr>
           <a:xfrm>
-            <a:off x="432619" y="0"/>
-            <a:ext cx="11326761" cy="6858000"/>
+            <a:off x="597157" y="1672962"/>
+            <a:ext cx="8464543" cy="4910168"/>
           </a:xfrm>
           <a:prstGeom prst="rect">
             <a:avLst/>
@@ -4580,7 +4574,7 @@
           <p:cNvPr id="5" name="직사각형 4">
             <a:extLst>
               <a:ext uri="{FF2B5EF4-FFF2-40B4-BE49-F238E27FC236}">
-                <a16:creationId xmlns:a16="http://schemas.microsoft.com/office/drawing/2014/main" id="{A39871E7-505A-1A46-A04B-C354A4A5E9AB}"/>
+                <a16:creationId xmlns:a16="http://schemas.microsoft.com/office/drawing/2014/main" xmlns="" id="{A39871E7-505A-1A46-A04B-C354A4A5E9AB}"/>
               </a:ext>
             </a:extLst>
           </p:cNvPr>
@@ -4589,8 +4583,8 @@
         </p:nvSpPr>
         <p:spPr>
           <a:xfrm>
-            <a:off x="3119919" y="4652700"/>
-            <a:ext cx="7667946" cy="646331"/>
+            <a:off x="382555" y="870598"/>
+            <a:ext cx="11028784" cy="646331"/>
           </a:xfrm>
           <a:prstGeom prst="rect">
             <a:avLst/>
@@ -4603,7 +4597,7 @@
           <a:lstStyle/>
           <a:p>
             <a:r>
-              <a:rPr lang="en" altLang="ko-Kore-KR" sz="1200" dirty="0">
+              <a:rPr lang="en" altLang="x-none" sz="1200" dirty="0">
                 <a:solidFill>
                   <a:srgbClr val="000000"/>
                 </a:solidFill>
@@ -4612,7 +4606,7 @@
               <a:t>[{</a:t>
             </a:r>
             <a:r>
-              <a:rPr lang="en" altLang="ko-Kore-KR" sz="1200" dirty="0">
+              <a:rPr lang="en" altLang="x-none" sz="1200" dirty="0">
                 <a:solidFill>
                   <a:srgbClr val="A31515"/>
                 </a:solidFill>
@@ -4621,7 +4615,7 @@
               <a:t>"model"</a:t>
             </a:r>
             <a:r>
-              <a:rPr lang="en" altLang="ko-Kore-KR" sz="1200" dirty="0">
+              <a:rPr lang="en" altLang="x-none" sz="1200" dirty="0">
                 <a:solidFill>
                   <a:srgbClr val="000000"/>
                 </a:solidFill>
@@ -4630,7 +4624,7 @@
               <a:t>: </a:t>
             </a:r>
             <a:r>
-              <a:rPr lang="en" altLang="ko-Kore-KR" sz="1200" dirty="0">
+              <a:rPr lang="en" altLang="x-none" sz="1200" dirty="0">
                 <a:solidFill>
                   <a:srgbClr val="0451A5"/>
                 </a:solidFill>
@@ -4639,7 +4633,7 @@
               <a:t>"</a:t>
             </a:r>
             <a:r>
-              <a:rPr lang="en" altLang="ko-Kore-KR" sz="1200" dirty="0" err="1">
+              <a:rPr lang="en" altLang="x-none" sz="1200" dirty="0" err="1">
                 <a:solidFill>
                   <a:srgbClr val="0451A5"/>
                 </a:solidFill>
@@ -4648,7 +4642,7 @@
               <a:t>rest_api_test.employees</a:t>
             </a:r>
             <a:r>
-              <a:rPr lang="en" altLang="ko-Kore-KR" sz="1200" dirty="0">
+              <a:rPr lang="en" altLang="x-none" sz="1200" dirty="0">
                 <a:solidFill>
                   <a:srgbClr val="0451A5"/>
                 </a:solidFill>
@@ -4657,7 +4651,7 @@
               <a:t>"</a:t>
             </a:r>
             <a:r>
-              <a:rPr lang="en" altLang="ko-Kore-KR" sz="1200" dirty="0">
+              <a:rPr lang="en" altLang="x-none" sz="1200" dirty="0">
                 <a:solidFill>
                   <a:srgbClr val="000000"/>
                 </a:solidFill>
@@ -4666,7 +4660,7 @@
               <a:t>, </a:t>
             </a:r>
             <a:r>
-              <a:rPr lang="en" altLang="ko-Kore-KR" sz="1200" dirty="0">
+              <a:rPr lang="en" altLang="x-none" sz="1200" dirty="0">
                 <a:solidFill>
                   <a:srgbClr val="A31515"/>
                 </a:solidFill>
@@ -4675,7 +4669,7 @@
               <a:t>"pk"</a:t>
             </a:r>
             <a:r>
-              <a:rPr lang="en" altLang="ko-Kore-KR" sz="1200" dirty="0">
+              <a:rPr lang="en" altLang="x-none" sz="1200" dirty="0">
                 <a:solidFill>
                   <a:srgbClr val="000000"/>
                 </a:solidFill>
@@ -4684,7 +4678,7 @@
               <a:t>: </a:t>
             </a:r>
             <a:r>
-              <a:rPr lang="en" altLang="ko-Kore-KR" sz="1200" b="1" dirty="0">
+              <a:rPr lang="en" altLang="x-none" sz="1200" b="1" dirty="0">
                 <a:solidFill>
                   <a:srgbClr val="0451A5"/>
                 </a:solidFill>
@@ -4693,7 +4687,7 @@
               <a:t>null</a:t>
             </a:r>
             <a:r>
-              <a:rPr lang="en" altLang="ko-Kore-KR" sz="1200" dirty="0">
+              <a:rPr lang="en" altLang="x-none" sz="1200" dirty="0">
                 <a:solidFill>
                   <a:srgbClr val="000000"/>
                 </a:solidFill>
@@ -4702,7 +4696,7 @@
               <a:t>, </a:t>
             </a:r>
             <a:r>
-              <a:rPr lang="en" altLang="ko-Kore-KR" sz="1200" dirty="0">
+              <a:rPr lang="en" altLang="x-none" sz="1200" dirty="0">
                 <a:solidFill>
                   <a:srgbClr val="A31515"/>
                 </a:solidFill>
@@ -4711,7 +4705,7 @@
               <a:t>"fields"</a:t>
             </a:r>
             <a:r>
-              <a:rPr lang="en" altLang="ko-Kore-KR" sz="1200" dirty="0">
+              <a:rPr lang="en" altLang="x-none" sz="1200" dirty="0">
                 <a:solidFill>
                   <a:srgbClr val="000000"/>
                 </a:solidFill>
@@ -4720,7 +4714,7 @@
               <a:t>: {</a:t>
             </a:r>
             <a:r>
-              <a:rPr lang="en" altLang="ko-Kore-KR" sz="1200" dirty="0">
+              <a:rPr lang="en" altLang="x-none" sz="1200" dirty="0">
                 <a:solidFill>
                   <a:srgbClr val="A31515"/>
                 </a:solidFill>
@@ -4729,7 +4723,7 @@
               <a:t>"employee_id"</a:t>
             </a:r>
             <a:r>
-              <a:rPr lang="en" altLang="ko-Kore-KR" sz="1200" dirty="0">
+              <a:rPr lang="en" altLang="x-none" sz="1200" dirty="0">
                 <a:solidFill>
                   <a:srgbClr val="000000"/>
                 </a:solidFill>
@@ -4738,7 +4732,7 @@
               <a:t>:</a:t>
             </a:r>
             <a:r>
-              <a:rPr lang="en" altLang="ko-Kore-KR" sz="1200" dirty="0">
+              <a:rPr lang="en" altLang="x-none" sz="1200" dirty="0">
                 <a:solidFill>
                   <a:srgbClr val="0451A5"/>
                 </a:solidFill>
@@ -4747,7 +4741,7 @@
               <a:t>"4"</a:t>
             </a:r>
             <a:r>
-              <a:rPr lang="en" altLang="ko-Kore-KR" sz="1200" dirty="0">
+              <a:rPr lang="en" altLang="x-none" sz="1200" dirty="0">
                 <a:solidFill>
                   <a:srgbClr val="000000"/>
                 </a:solidFill>
@@ -4756,7 +4750,7 @@
               <a:t>,</a:t>
             </a:r>
             <a:r>
-              <a:rPr lang="en" altLang="ko-Kore-KR" sz="1200" dirty="0">
+              <a:rPr lang="en" altLang="x-none" sz="1200" dirty="0">
                 <a:solidFill>
                   <a:srgbClr val="A31515"/>
                 </a:solidFill>
@@ -4765,7 +4759,7 @@
               <a:t>"first_name"</a:t>
             </a:r>
             <a:r>
-              <a:rPr lang="en" altLang="ko-Kore-KR" sz="1200" dirty="0">
+              <a:rPr lang="en" altLang="x-none" sz="1200" dirty="0">
                 <a:solidFill>
                   <a:srgbClr val="000000"/>
                 </a:solidFill>
@@ -4774,7 +4768,7 @@
               <a:t>: </a:t>
             </a:r>
             <a:r>
-              <a:rPr lang="en" altLang="ko-Kore-KR" sz="1200" dirty="0">
+              <a:rPr lang="en" altLang="x-none" sz="1200" dirty="0">
                 <a:solidFill>
                   <a:srgbClr val="0451A5"/>
                 </a:solidFill>
@@ -4819,7 +4813,7 @@
               <a:t>"</a:t>
             </a:r>
             <a:r>
-              <a:rPr lang="en" altLang="ko-Kore-KR" sz="1200" dirty="0" err="1">
+              <a:rPr lang="en" altLang="x-none" sz="1200" dirty="0" err="1">
                 <a:solidFill>
                   <a:srgbClr val="A31515"/>
                 </a:solidFill>
@@ -4828,7 +4822,7 @@
               <a:t>last_name</a:t>
             </a:r>
             <a:r>
-              <a:rPr lang="en" altLang="ko-Kore-KR" sz="1200" dirty="0">
+              <a:rPr lang="en" altLang="x-none" sz="1200" dirty="0">
                 <a:solidFill>
                   <a:srgbClr val="A31515"/>
                 </a:solidFill>
@@ -4837,7 +4831,7 @@
               <a:t>"</a:t>
             </a:r>
             <a:r>
-              <a:rPr lang="en" altLang="ko-Kore-KR" sz="1200" dirty="0">
+              <a:rPr lang="en" altLang="x-none" sz="1200" dirty="0">
                 <a:solidFill>
                   <a:srgbClr val="000000"/>
                 </a:solidFill>
@@ -4846,7 +4840,7 @@
               <a:t>: </a:t>
             </a:r>
             <a:r>
-              <a:rPr lang="en" altLang="ko-Kore-KR" sz="1200" dirty="0">
+              <a:rPr lang="en" altLang="x-none" sz="1200" dirty="0">
                 <a:solidFill>
                   <a:srgbClr val="0451A5"/>
                 </a:solidFill>
@@ -4891,7 +4885,7 @@
               <a:t>"</a:t>
             </a:r>
             <a:r>
-              <a:rPr lang="en" altLang="ko-Kore-KR" sz="1200" dirty="0">
+              <a:rPr lang="en" altLang="x-none" sz="1200" dirty="0">
                 <a:solidFill>
                   <a:srgbClr val="A31515"/>
                 </a:solidFill>
@@ -4900,7 +4894,7 @@
               <a:t>email"</a:t>
             </a:r>
             <a:r>
-              <a:rPr lang="en" altLang="ko-Kore-KR" sz="1200" dirty="0">
+              <a:rPr lang="en" altLang="x-none" sz="1200" dirty="0">
                 <a:solidFill>
                   <a:srgbClr val="000000"/>
                 </a:solidFill>
@@ -4911,7 +4905,7 @@
           </a:p>
           <a:p>
             <a:r>
-              <a:rPr lang="en" altLang="ko-Kore-KR" sz="1200" dirty="0">
+              <a:rPr lang="en" altLang="x-none" sz="1200" dirty="0">
                 <a:solidFill>
                   <a:srgbClr val="0451A5"/>
                 </a:solidFill>
@@ -4920,7 +4914,7 @@
               <a:t>"</a:t>
             </a:r>
             <a:r>
-              <a:rPr lang="en" altLang="ko-Kore-KR" sz="1200" dirty="0" err="1">
+              <a:rPr lang="en" altLang="x-none" sz="1200" dirty="0" err="1">
                 <a:solidFill>
                   <a:srgbClr val="0451A5"/>
                 </a:solidFill>
@@ -4929,7 +4923,7 @@
               <a:t>gdskim@gmail.com</a:t>
             </a:r>
             <a:r>
-              <a:rPr lang="en" altLang="ko-Kore-KR" sz="1200" dirty="0">
+              <a:rPr lang="en" altLang="x-none" sz="1200" dirty="0">
                 <a:solidFill>
                   <a:srgbClr val="0451A5"/>
                 </a:solidFill>
@@ -4938,7 +4932,7 @@
               <a:t>"</a:t>
             </a:r>
             <a:r>
-              <a:rPr lang="en" altLang="ko-Kore-KR" sz="1200" dirty="0">
+              <a:rPr lang="en" altLang="x-none" sz="1200" dirty="0">
                 <a:solidFill>
                   <a:srgbClr val="000000"/>
                 </a:solidFill>
@@ -4946,13 +4940,51 @@
               </a:rPr>
               <a:t>}}]</a:t>
             </a:r>
-            <a:endParaRPr lang="en" altLang="ko-Kore-KR" sz="1200" b="0" dirty="0">
+            <a:endParaRPr lang="en" altLang="x-none" sz="1200" b="0" dirty="0">
               <a:solidFill>
                 <a:srgbClr val="000000"/>
               </a:solidFill>
               <a:effectLst/>
               <a:latin typeface="Menlo" panose="020B0609030804020204" pitchFamily="49" charset="0"/>
             </a:endParaRPr>
+          </a:p>
+        </p:txBody>
+      </p:sp>
+      <p:sp>
+        <p:nvSpPr>
+          <p:cNvPr id="2" name="TextBox 1"/>
+          <p:cNvSpPr txBox="1"/>
+          <p:nvPr/>
+        </p:nvSpPr>
+        <p:spPr>
+          <a:xfrm>
+            <a:off x="382555" y="345233"/>
+            <a:ext cx="3554178" cy="369332"/>
+          </a:xfrm>
+          <a:prstGeom prst="rect">
+            <a:avLst/>
+          </a:prstGeom>
+          <a:noFill/>
+        </p:spPr>
+        <p:txBody>
+          <a:bodyPr wrap="none" rtlCol="0">
+            <a:spAutoFit/>
+          </a:bodyPr>
+          <a:lstStyle/>
+          <a:p>
+            <a:r>
+              <a:rPr lang="en-US" altLang="ko-KR" dirty="0" smtClean="0"/>
+              <a:t>POSTMAN </a:t>
+            </a:r>
+            <a:r>
+              <a:rPr lang="ko-KR" altLang="en-US" dirty="0" smtClean="0"/>
+              <a:t>활용 테스트 방법</a:t>
+            </a:r>
+            <a:r>
+              <a:rPr lang="en-US" altLang="ko-KR" dirty="0" smtClean="0"/>
+              <a:t>(POST)</a:t>
+            </a:r>
+            <a:endParaRPr lang="ko-KR" altLang="en-US" dirty="0"/>
           </a:p>
         </p:txBody>
       </p:sp>
